--- a/Præsentation/presentation.pptx
+++ b/Præsentation/presentation.pptx
@@ -5,27 +5,28 @@
     <p:sldMasterId id="2147483660" r:id="rId1"/>
   </p:sldMasterIdLst>
   <p:notesMasterIdLst>
-    <p:notesMasterId r:id="rId20"/>
+    <p:notesMasterId r:id="rId21"/>
   </p:notesMasterIdLst>
   <p:sldIdLst>
     <p:sldId id="256" r:id="rId2"/>
     <p:sldId id="257" r:id="rId3"/>
     <p:sldId id="267" r:id="rId4"/>
     <p:sldId id="258" r:id="rId5"/>
-    <p:sldId id="268" r:id="rId6"/>
+    <p:sldId id="266" r:id="rId6"/>
     <p:sldId id="259" r:id="rId7"/>
-    <p:sldId id="266" r:id="rId8"/>
-    <p:sldId id="264" r:id="rId9"/>
-    <p:sldId id="265" r:id="rId10"/>
-    <p:sldId id="260" r:id="rId11"/>
-    <p:sldId id="269" r:id="rId12"/>
-    <p:sldId id="270" r:id="rId13"/>
-    <p:sldId id="271" r:id="rId14"/>
-    <p:sldId id="272" r:id="rId15"/>
-    <p:sldId id="261" r:id="rId16"/>
-    <p:sldId id="262" r:id="rId17"/>
-    <p:sldId id="273" r:id="rId18"/>
-    <p:sldId id="263" r:id="rId19"/>
+    <p:sldId id="264" r:id="rId8"/>
+    <p:sldId id="265" r:id="rId9"/>
+    <p:sldId id="274" r:id="rId10"/>
+    <p:sldId id="268" r:id="rId11"/>
+    <p:sldId id="260" r:id="rId12"/>
+    <p:sldId id="269" r:id="rId13"/>
+    <p:sldId id="270" r:id="rId14"/>
+    <p:sldId id="271" r:id="rId15"/>
+    <p:sldId id="272" r:id="rId16"/>
+    <p:sldId id="261" r:id="rId17"/>
+    <p:sldId id="262" r:id="rId18"/>
+    <p:sldId id="273" r:id="rId19"/>
+    <p:sldId id="263" r:id="rId20"/>
   </p:sldIdLst>
   <p:sldSz cx="12192000" cy="6858000"/>
   <p:notesSz cx="6858000" cy="9144000"/>
@@ -214,7 +215,7 @@
           <a:p>
             <a:fld id="{94E89584-B98A-4081-A386-CAA28A4774DA}" type="datetimeFigureOut">
               <a:rPr lang="da-DK" smtClean="0"/>
-              <a:t>02-05-2016</a:t>
+              <a:t>03-05-2016</a:t>
             </a:fld>
             <a:endParaRPr lang="da-DK"/>
           </a:p>
@@ -547,7 +548,7 @@
           <a:p>
             <a:fld id="{BB0648C1-A949-4237-B6FC-D681CC11C8C9}" type="slidenum">
               <a:rPr lang="da-DK" smtClean="0"/>
-              <a:t>15</a:t>
+              <a:t>16</a:t>
             </a:fld>
             <a:endParaRPr lang="da-DK"/>
           </a:p>
@@ -4842,7 +4843,7 @@
           <a:p>
             <a:fld id="{522851CA-C60C-4460-BC57-17283B9F6741}" type="datetimeFigureOut">
               <a:rPr lang="da-DK" smtClean="0"/>
-              <a:t>02-05-2016</a:t>
+              <a:t>03-05-2016</a:t>
             </a:fld>
             <a:endParaRPr lang="da-DK"/>
           </a:p>
@@ -5109,7 +5110,7 @@
           <a:p>
             <a:fld id="{522851CA-C60C-4460-BC57-17283B9F6741}" type="datetimeFigureOut">
               <a:rPr lang="da-DK" smtClean="0"/>
-              <a:t>02-05-2016</a:t>
+              <a:t>03-05-2016</a:t>
             </a:fld>
             <a:endParaRPr lang="da-DK"/>
           </a:p>
@@ -5305,7 +5306,7 @@
           <a:p>
             <a:fld id="{522851CA-C60C-4460-BC57-17283B9F6741}" type="datetimeFigureOut">
               <a:rPr lang="da-DK" smtClean="0"/>
-              <a:t>02-05-2016</a:t>
+              <a:t>03-05-2016</a:t>
             </a:fld>
             <a:endParaRPr lang="da-DK"/>
           </a:p>
@@ -5568,7 +5569,7 @@
           <a:p>
             <a:fld id="{522851CA-C60C-4460-BC57-17283B9F6741}" type="datetimeFigureOut">
               <a:rPr lang="da-DK" smtClean="0"/>
-              <a:t>02-05-2016</a:t>
+              <a:t>03-05-2016</a:t>
             </a:fld>
             <a:endParaRPr lang="da-DK"/>
           </a:p>
@@ -6002,7 +6003,7 @@
           <a:p>
             <a:fld id="{522851CA-C60C-4460-BC57-17283B9F6741}" type="datetimeFigureOut">
               <a:rPr lang="da-DK" smtClean="0"/>
-              <a:t>02-05-2016</a:t>
+              <a:t>03-05-2016</a:t>
             </a:fld>
             <a:endParaRPr lang="da-DK"/>
           </a:p>
@@ -6548,7 +6549,7 @@
           <a:p>
             <a:fld id="{522851CA-C60C-4460-BC57-17283B9F6741}" type="datetimeFigureOut">
               <a:rPr lang="da-DK" smtClean="0"/>
-              <a:t>02-05-2016</a:t>
+              <a:t>03-05-2016</a:t>
             </a:fld>
             <a:endParaRPr lang="da-DK"/>
           </a:p>
@@ -7268,7 +7269,7 @@
           <a:p>
             <a:fld id="{522851CA-C60C-4460-BC57-17283B9F6741}" type="datetimeFigureOut">
               <a:rPr lang="da-DK" smtClean="0"/>
-              <a:t>02-05-2016</a:t>
+              <a:t>03-05-2016</a:t>
             </a:fld>
             <a:endParaRPr lang="da-DK"/>
           </a:p>
@@ -7438,7 +7439,7 @@
           <a:p>
             <a:fld id="{522851CA-C60C-4460-BC57-17283B9F6741}" type="datetimeFigureOut">
               <a:rPr lang="da-DK" smtClean="0"/>
-              <a:t>02-05-2016</a:t>
+              <a:t>03-05-2016</a:t>
             </a:fld>
             <a:endParaRPr lang="da-DK"/>
           </a:p>
@@ -7618,7 +7619,7 @@
           <a:p>
             <a:fld id="{522851CA-C60C-4460-BC57-17283B9F6741}" type="datetimeFigureOut">
               <a:rPr lang="da-DK" smtClean="0"/>
-              <a:t>02-05-2016</a:t>
+              <a:t>03-05-2016</a:t>
             </a:fld>
             <a:endParaRPr lang="da-DK"/>
           </a:p>
@@ -7788,7 +7789,7 @@
           <a:p>
             <a:fld id="{522851CA-C60C-4460-BC57-17283B9F6741}" type="datetimeFigureOut">
               <a:rPr lang="da-DK" smtClean="0"/>
-              <a:t>02-05-2016</a:t>
+              <a:t>03-05-2016</a:t>
             </a:fld>
             <a:endParaRPr lang="da-DK"/>
           </a:p>
@@ -8038,7 +8039,7 @@
           <a:p>
             <a:fld id="{522851CA-C60C-4460-BC57-17283B9F6741}" type="datetimeFigureOut">
               <a:rPr lang="da-DK" smtClean="0"/>
-              <a:t>02-05-2016</a:t>
+              <a:t>03-05-2016</a:t>
             </a:fld>
             <a:endParaRPr lang="da-DK"/>
           </a:p>
@@ -8270,7 +8271,7 @@
           <a:p>
             <a:fld id="{522851CA-C60C-4460-BC57-17283B9F6741}" type="datetimeFigureOut">
               <a:rPr lang="da-DK" smtClean="0"/>
-              <a:t>02-05-2016</a:t>
+              <a:t>03-05-2016</a:t>
             </a:fld>
             <a:endParaRPr lang="da-DK"/>
           </a:p>
@@ -8651,7 +8652,7 @@
           <a:p>
             <a:fld id="{522851CA-C60C-4460-BC57-17283B9F6741}" type="datetimeFigureOut">
               <a:rPr lang="da-DK" smtClean="0"/>
-              <a:t>02-05-2016</a:t>
+              <a:t>03-05-2016</a:t>
             </a:fld>
             <a:endParaRPr lang="da-DK"/>
           </a:p>
@@ -8769,7 +8770,7 @@
           <a:p>
             <a:fld id="{522851CA-C60C-4460-BC57-17283B9F6741}" type="datetimeFigureOut">
               <a:rPr lang="da-DK" smtClean="0"/>
-              <a:t>02-05-2016</a:t>
+              <a:t>03-05-2016</a:t>
             </a:fld>
             <a:endParaRPr lang="da-DK"/>
           </a:p>
@@ -8864,7 +8865,7 @@
           <a:p>
             <a:fld id="{522851CA-C60C-4460-BC57-17283B9F6741}" type="datetimeFigureOut">
               <a:rPr lang="da-DK" smtClean="0"/>
-              <a:t>02-05-2016</a:t>
+              <a:t>03-05-2016</a:t>
             </a:fld>
             <a:endParaRPr lang="da-DK"/>
           </a:p>
@@ -9113,7 +9114,7 @@
           <a:p>
             <a:fld id="{522851CA-C60C-4460-BC57-17283B9F6741}" type="datetimeFigureOut">
               <a:rPr lang="da-DK" smtClean="0"/>
-              <a:t>02-05-2016</a:t>
+              <a:t>03-05-2016</a:t>
             </a:fld>
             <a:endParaRPr lang="da-DK"/>
           </a:p>
@@ -9393,7 +9394,7 @@
           <a:p>
             <a:fld id="{522851CA-C60C-4460-BC57-17283B9F6741}" type="datetimeFigureOut">
               <a:rPr lang="da-DK" smtClean="0"/>
-              <a:t>02-05-2016</a:t>
+              <a:t>03-05-2016</a:t>
             </a:fld>
             <a:endParaRPr lang="da-DK"/>
           </a:p>
@@ -12470,7 +12471,7 @@
           <a:p>
             <a:fld id="{522851CA-C60C-4460-BC57-17283B9F6741}" type="datetimeFigureOut">
               <a:rPr lang="da-DK" smtClean="0"/>
-              <a:t>02-05-2016</a:t>
+              <a:t>03-05-2016</a:t>
             </a:fld>
             <a:endParaRPr lang="da-DK"/>
           </a:p>
@@ -12999,6 +13000,1143 @@
           <a:chExt cx="0" cy="0"/>
         </a:xfrm>
       </p:grpSpPr>
+      <p:grpSp>
+        <p:nvGrpSpPr>
+          <p:cNvPr id="45" name="Group 44"/>
+          <p:cNvGrpSpPr/>
+          <p:nvPr/>
+        </p:nvGrpSpPr>
+        <p:grpSpPr>
+          <a:xfrm>
+            <a:off x="2702100" y="2552126"/>
+            <a:ext cx="5121877" cy="4254609"/>
+            <a:chOff x="2702100" y="2552126"/>
+            <a:chExt cx="5121877" cy="4254609"/>
+          </a:xfrm>
+        </p:grpSpPr>
+        <p:cxnSp>
+          <p:nvCxnSpPr>
+            <p:cNvPr id="42" name="Straight Connector 41"/>
+            <p:cNvCxnSpPr/>
+            <p:nvPr/>
+          </p:nvCxnSpPr>
+          <p:spPr>
+            <a:xfrm>
+              <a:off x="3125337" y="2552126"/>
+              <a:ext cx="723332" cy="764279"/>
+            </a:xfrm>
+            <a:prstGeom prst="line">
+              <a:avLst/>
+            </a:prstGeom>
+            <a:ln w="38100">
+              <a:solidFill>
+                <a:schemeClr val="tx1"/>
+              </a:solidFill>
+            </a:ln>
+          </p:spPr>
+          <p:style>
+            <a:lnRef idx="1">
+              <a:schemeClr val="dk1"/>
+            </a:lnRef>
+            <a:fillRef idx="0">
+              <a:schemeClr val="dk1"/>
+            </a:fillRef>
+            <a:effectRef idx="0">
+              <a:schemeClr val="dk1"/>
+            </a:effectRef>
+            <a:fontRef idx="minor">
+              <a:schemeClr val="tx1"/>
+            </a:fontRef>
+          </p:style>
+        </p:cxnSp>
+        <p:pic>
+          <p:nvPicPr>
+            <p:cNvPr id="40" name="Picture 39"/>
+            <p:cNvPicPr>
+              <a:picLocks noChangeAspect="1"/>
+            </p:cNvPicPr>
+            <p:nvPr/>
+          </p:nvPicPr>
+          <p:blipFill>
+            <a:blip r:embed="rId2">
+              <a:extLst>
+                <a:ext uri="{28A0092B-C50C-407E-A947-70E740481C1C}">
+                  <a14:useLocalDpi xmlns:a14="http://schemas.microsoft.com/office/drawing/2010/main" val="0"/>
+                </a:ext>
+              </a:extLst>
+            </a:blip>
+            <a:stretch>
+              <a:fillRect/>
+            </a:stretch>
+          </p:blipFill>
+          <p:spPr>
+            <a:xfrm>
+              <a:off x="2702100" y="3205508"/>
+              <a:ext cx="5121877" cy="3601227"/>
+            </a:xfrm>
+            <a:prstGeom prst="roundRect">
+              <a:avLst>
+                <a:gd name="adj" fmla="val 8594"/>
+              </a:avLst>
+            </a:prstGeom>
+            <a:solidFill>
+              <a:srgbClr val="FFFFFF">
+                <a:shade val="85000"/>
+              </a:srgbClr>
+            </a:solidFill>
+            <a:ln>
+              <a:noFill/>
+            </a:ln>
+            <a:effectLst>
+              <a:reflection blurRad="12700" stA="38000" endPos="28000" dist="5000" dir="5400000" sy="-100000" algn="bl" rotWithShape="0"/>
+            </a:effectLst>
+          </p:spPr>
+        </p:pic>
+      </p:grpSp>
+      <p:grpSp>
+        <p:nvGrpSpPr>
+          <p:cNvPr id="51" name="Group 50"/>
+          <p:cNvGrpSpPr/>
+          <p:nvPr/>
+        </p:nvGrpSpPr>
+        <p:grpSpPr>
+          <a:xfrm>
+            <a:off x="2702100" y="2889906"/>
+            <a:ext cx="5121877" cy="3916829"/>
+            <a:chOff x="2702100" y="2889906"/>
+            <a:chExt cx="5121877" cy="3916829"/>
+          </a:xfrm>
+        </p:grpSpPr>
+        <p:cxnSp>
+          <p:nvCxnSpPr>
+            <p:cNvPr id="48" name="Straight Connector 47"/>
+            <p:cNvCxnSpPr/>
+            <p:nvPr/>
+          </p:nvCxnSpPr>
+          <p:spPr>
+            <a:xfrm flipV="1">
+              <a:off x="6016525" y="2889906"/>
+              <a:ext cx="672663" cy="426499"/>
+            </a:xfrm>
+            <a:prstGeom prst="line">
+              <a:avLst/>
+            </a:prstGeom>
+            <a:ln w="38100">
+              <a:solidFill>
+                <a:schemeClr val="tx1"/>
+              </a:solidFill>
+            </a:ln>
+          </p:spPr>
+          <p:style>
+            <a:lnRef idx="1">
+              <a:schemeClr val="accent1"/>
+            </a:lnRef>
+            <a:fillRef idx="0">
+              <a:schemeClr val="accent1"/>
+            </a:fillRef>
+            <a:effectRef idx="0">
+              <a:schemeClr val="accent1"/>
+            </a:effectRef>
+            <a:fontRef idx="minor">
+              <a:schemeClr val="tx1"/>
+            </a:fontRef>
+          </p:style>
+        </p:cxnSp>
+        <p:sp>
+          <p:nvSpPr>
+            <p:cNvPr id="46" name="Rounded Rectangle 45"/>
+            <p:cNvSpPr/>
+            <p:nvPr/>
+          </p:nvSpPr>
+          <p:spPr>
+            <a:xfrm>
+              <a:off x="2702100" y="3205507"/>
+              <a:ext cx="5121877" cy="3601228"/>
+            </a:xfrm>
+            <a:prstGeom prst="roundRect">
+              <a:avLst/>
+            </a:prstGeom>
+            <a:ln>
+              <a:solidFill>
+                <a:schemeClr val="tx1"/>
+              </a:solidFill>
+            </a:ln>
+          </p:spPr>
+          <p:style>
+            <a:lnRef idx="2">
+              <a:schemeClr val="dk1"/>
+            </a:lnRef>
+            <a:fillRef idx="1">
+              <a:schemeClr val="lt1"/>
+            </a:fillRef>
+            <a:effectRef idx="0">
+              <a:schemeClr val="dk1"/>
+            </a:effectRef>
+            <a:fontRef idx="minor">
+              <a:schemeClr val="dk1"/>
+            </a:fontRef>
+          </p:style>
+          <p:txBody>
+            <a:bodyPr rtlCol="0" anchor="ctr"/>
+            <a:lstStyle/>
+            <a:p>
+              <a:r>
+                <a:rPr lang="da-DK" dirty="0" smtClean="0"/>
+                <a:t>Methods</a:t>
+              </a:r>
+            </a:p>
+            <a:p>
+              <a:pPr marL="285750" indent="-285750">
+                <a:buFont typeface="Arial" panose="020B0604020202020204" pitchFamily="34" charset="0"/>
+                <a:buChar char="•"/>
+              </a:pPr>
+              <a:r>
+                <a:rPr lang="da-DK" dirty="0" smtClean="0"/>
+                <a:t>Optimzation </a:t>
+              </a:r>
+            </a:p>
+            <a:p>
+              <a:pPr marL="285750" indent="-285750">
+                <a:buFont typeface="Arial" panose="020B0604020202020204" pitchFamily="34" charset="0"/>
+                <a:buChar char="•"/>
+              </a:pPr>
+              <a:r>
+                <a:rPr lang="da-DK" dirty="0" smtClean="0"/>
+                <a:t>Clustering </a:t>
+              </a:r>
+              <a:endParaRPr lang="da-DK" dirty="0"/>
+            </a:p>
+            <a:p>
+              <a:pPr marL="285750" indent="-285750">
+                <a:buFont typeface="Arial" panose="020B0604020202020204" pitchFamily="34" charset="0"/>
+                <a:buChar char="•"/>
+              </a:pPr>
+              <a:r>
+                <a:rPr lang="da-DK" dirty="0" smtClean="0"/>
+                <a:t>HMM </a:t>
+              </a:r>
+            </a:p>
+            <a:p>
+              <a:pPr marL="285750" indent="-285750">
+                <a:buFont typeface="Arial" panose="020B0604020202020204" pitchFamily="34" charset="0"/>
+                <a:buChar char="•"/>
+              </a:pPr>
+              <a:r>
+                <a:rPr lang="da-DK" dirty="0" smtClean="0"/>
+                <a:t>SVM </a:t>
+              </a:r>
+            </a:p>
+            <a:p>
+              <a:pPr marL="285750" indent="-285750">
+                <a:buFont typeface="Arial" panose="020B0604020202020204" pitchFamily="34" charset="0"/>
+                <a:buChar char="•"/>
+              </a:pPr>
+              <a:r>
+                <a:rPr lang="da-DK" dirty="0" smtClean="0"/>
+                <a:t>ANN</a:t>
+              </a:r>
+              <a:endParaRPr lang="da-DK" dirty="0"/>
+            </a:p>
+            <a:p>
+              <a:pPr marL="285750" indent="-285750">
+                <a:buFont typeface="Arial" panose="020B0604020202020204" pitchFamily="34" charset="0"/>
+                <a:buChar char="•"/>
+              </a:pPr>
+              <a:r>
+                <a:rPr lang="da-DK" dirty="0" smtClean="0"/>
+                <a:t>DANN</a:t>
+              </a:r>
+              <a:endParaRPr lang="da-DK" dirty="0"/>
+            </a:p>
+          </p:txBody>
+        </p:sp>
+      </p:grpSp>
+      <p:sp>
+        <p:nvSpPr>
+          <p:cNvPr id="2" name="Title 1"/>
+          <p:cNvSpPr>
+            <a:spLocks noGrp="1"/>
+          </p:cNvSpPr>
+          <p:nvPr>
+            <p:ph type="title"/>
+          </p:nvPr>
+        </p:nvSpPr>
+        <p:spPr>
+          <a:xfrm>
+            <a:off x="1141413" y="618518"/>
+            <a:ext cx="9905998" cy="684843"/>
+          </a:xfrm>
+        </p:spPr>
+        <p:txBody>
+          <a:bodyPr/>
+          <a:lstStyle/>
+          <a:p>
+            <a:r>
+              <a:rPr lang="da-DK" dirty="0" smtClean="0"/>
+              <a:t>The process </a:t>
+            </a:r>
+            <a:endParaRPr lang="da-DK" dirty="0"/>
+          </a:p>
+        </p:txBody>
+      </p:sp>
+      <p:sp>
+        <p:nvSpPr>
+          <p:cNvPr id="7" name="Rounded Rectangle 6"/>
+          <p:cNvSpPr/>
+          <p:nvPr/>
+        </p:nvSpPr>
+        <p:spPr>
+          <a:xfrm>
+            <a:off x="2199115" y="1972101"/>
+            <a:ext cx="2006222" cy="675564"/>
+          </a:xfrm>
+          <a:prstGeom prst="roundRect">
+            <a:avLst/>
+          </a:prstGeom>
+        </p:spPr>
+        <p:style>
+          <a:lnRef idx="2">
+            <a:schemeClr val="accent1">
+              <a:shade val="50000"/>
+            </a:schemeClr>
+          </a:lnRef>
+          <a:fillRef idx="1">
+            <a:schemeClr val="accent1"/>
+          </a:fillRef>
+          <a:effectRef idx="0">
+            <a:schemeClr val="accent1"/>
+          </a:effectRef>
+          <a:fontRef idx="minor">
+            <a:schemeClr val="lt1"/>
+          </a:fontRef>
+        </p:style>
+        <p:txBody>
+          <a:bodyPr rtlCol="0" anchor="ctr"/>
+          <a:lstStyle/>
+          <a:p>
+            <a:r>
+              <a:rPr lang="da-DK" dirty="0" smtClean="0"/>
+              <a:t>Feature exstraction </a:t>
+            </a:r>
+            <a:endParaRPr lang="da-DK" dirty="0"/>
+          </a:p>
+        </p:txBody>
+      </p:sp>
+      <p:sp>
+        <p:nvSpPr>
+          <p:cNvPr id="9" name="Rounded Rectangle 8"/>
+          <p:cNvSpPr/>
+          <p:nvPr/>
+        </p:nvSpPr>
+        <p:spPr>
+          <a:xfrm>
+            <a:off x="5749239" y="1560963"/>
+            <a:ext cx="2006222" cy="675564"/>
+          </a:xfrm>
+          <a:prstGeom prst="roundRect">
+            <a:avLst/>
+          </a:prstGeom>
+        </p:spPr>
+        <p:style>
+          <a:lnRef idx="2">
+            <a:schemeClr val="accent1">
+              <a:shade val="50000"/>
+            </a:schemeClr>
+          </a:lnRef>
+          <a:fillRef idx="1">
+            <a:schemeClr val="accent1"/>
+          </a:fillRef>
+          <a:effectRef idx="0">
+            <a:schemeClr val="accent1"/>
+          </a:effectRef>
+          <a:fontRef idx="minor">
+            <a:schemeClr val="lt1"/>
+          </a:fontRef>
+        </p:style>
+        <p:txBody>
+          <a:bodyPr rtlCol="0" anchor="ctr"/>
+          <a:lstStyle/>
+          <a:p>
+            <a:r>
+              <a:rPr lang="da-DK" dirty="0" smtClean="0"/>
+              <a:t>Model Creation</a:t>
+            </a:r>
+            <a:endParaRPr lang="da-DK" dirty="0"/>
+          </a:p>
+        </p:txBody>
+      </p:sp>
+      <p:sp>
+        <p:nvSpPr>
+          <p:cNvPr id="10" name="Rounded Rectangle 9"/>
+          <p:cNvSpPr/>
+          <p:nvPr/>
+        </p:nvSpPr>
+        <p:spPr>
+          <a:xfrm>
+            <a:off x="5749239" y="2456590"/>
+            <a:ext cx="2006222" cy="675564"/>
+          </a:xfrm>
+          <a:prstGeom prst="roundRect">
+            <a:avLst/>
+          </a:prstGeom>
+        </p:spPr>
+        <p:style>
+          <a:lnRef idx="2">
+            <a:schemeClr val="accent1">
+              <a:shade val="50000"/>
+            </a:schemeClr>
+          </a:lnRef>
+          <a:fillRef idx="1">
+            <a:schemeClr val="accent1"/>
+          </a:fillRef>
+          <a:effectRef idx="0">
+            <a:schemeClr val="accent1"/>
+          </a:effectRef>
+          <a:fontRef idx="minor">
+            <a:schemeClr val="lt1"/>
+          </a:fontRef>
+        </p:style>
+        <p:txBody>
+          <a:bodyPr rtlCol="0" anchor="ctr"/>
+          <a:lstStyle/>
+          <a:p>
+            <a:r>
+              <a:rPr lang="da-DK" dirty="0" smtClean="0"/>
+              <a:t>Model Validation</a:t>
+            </a:r>
+            <a:endParaRPr lang="da-DK" dirty="0"/>
+          </a:p>
+        </p:txBody>
+      </p:sp>
+      <p:sp>
+        <p:nvSpPr>
+          <p:cNvPr id="11" name="Rounded Rectangle 10"/>
+          <p:cNvSpPr/>
+          <p:nvPr/>
+        </p:nvSpPr>
+        <p:spPr>
+          <a:xfrm>
+            <a:off x="1141413" y="2040341"/>
+            <a:ext cx="798394" cy="586853"/>
+          </a:xfrm>
+          <a:prstGeom prst="roundRect">
+            <a:avLst/>
+          </a:prstGeom>
+        </p:spPr>
+        <p:style>
+          <a:lnRef idx="2">
+            <a:schemeClr val="accent5">
+              <a:shade val="50000"/>
+            </a:schemeClr>
+          </a:lnRef>
+          <a:fillRef idx="1">
+            <a:schemeClr val="accent5"/>
+          </a:fillRef>
+          <a:effectRef idx="0">
+            <a:schemeClr val="accent5"/>
+          </a:effectRef>
+          <a:fontRef idx="minor">
+            <a:schemeClr val="lt1"/>
+          </a:fontRef>
+        </p:style>
+        <p:txBody>
+          <a:bodyPr rtlCol="0" anchor="ctr"/>
+          <a:lstStyle/>
+          <a:p>
+            <a:pPr algn="ctr"/>
+            <a:r>
+              <a:rPr lang="da-DK" dirty="0" smtClean="0"/>
+              <a:t>Filter</a:t>
+            </a:r>
+            <a:endParaRPr lang="da-DK" dirty="0"/>
+          </a:p>
+        </p:txBody>
+      </p:sp>
+      <p:sp>
+        <p:nvSpPr>
+          <p:cNvPr id="12" name="Rounded Rectangle 11"/>
+          <p:cNvSpPr/>
+          <p:nvPr/>
+        </p:nvSpPr>
+        <p:spPr>
+          <a:xfrm>
+            <a:off x="4464645" y="2016454"/>
+            <a:ext cx="798394" cy="586853"/>
+          </a:xfrm>
+          <a:prstGeom prst="roundRect">
+            <a:avLst/>
+          </a:prstGeom>
+        </p:spPr>
+        <p:style>
+          <a:lnRef idx="2">
+            <a:schemeClr val="accent5">
+              <a:shade val="50000"/>
+            </a:schemeClr>
+          </a:lnRef>
+          <a:fillRef idx="1">
+            <a:schemeClr val="accent5"/>
+          </a:fillRef>
+          <a:effectRef idx="0">
+            <a:schemeClr val="accent5"/>
+          </a:effectRef>
+          <a:fontRef idx="minor">
+            <a:schemeClr val="lt1"/>
+          </a:fontRef>
+        </p:style>
+        <p:txBody>
+          <a:bodyPr rtlCol="0" anchor="ctr"/>
+          <a:lstStyle/>
+          <a:p>
+            <a:pPr algn="ctr"/>
+            <a:r>
+              <a:rPr lang="da-DK" dirty="0" smtClean="0"/>
+              <a:t>Filter</a:t>
+            </a:r>
+            <a:endParaRPr lang="da-DK" dirty="0"/>
+          </a:p>
+        </p:txBody>
+      </p:sp>
+      <p:sp>
+        <p:nvSpPr>
+          <p:cNvPr id="13" name="Rounded Rectangle 12"/>
+          <p:cNvSpPr/>
+          <p:nvPr/>
+        </p:nvSpPr>
+        <p:spPr>
+          <a:xfrm>
+            <a:off x="8241661" y="2060812"/>
+            <a:ext cx="798394" cy="586853"/>
+          </a:xfrm>
+          <a:prstGeom prst="roundRect">
+            <a:avLst/>
+          </a:prstGeom>
+        </p:spPr>
+        <p:style>
+          <a:lnRef idx="2">
+            <a:schemeClr val="accent5">
+              <a:shade val="50000"/>
+            </a:schemeClr>
+          </a:lnRef>
+          <a:fillRef idx="1">
+            <a:schemeClr val="accent5"/>
+          </a:fillRef>
+          <a:effectRef idx="0">
+            <a:schemeClr val="accent5"/>
+          </a:effectRef>
+          <a:fontRef idx="minor">
+            <a:schemeClr val="lt1"/>
+          </a:fontRef>
+        </p:style>
+        <p:txBody>
+          <a:bodyPr rtlCol="0" anchor="ctr"/>
+          <a:lstStyle/>
+          <a:p>
+            <a:pPr algn="ctr"/>
+            <a:r>
+              <a:rPr lang="da-DK" dirty="0" smtClean="0"/>
+              <a:t>Filter</a:t>
+            </a:r>
+            <a:endParaRPr lang="da-DK" dirty="0"/>
+          </a:p>
+        </p:txBody>
+      </p:sp>
+      <p:cxnSp>
+        <p:nvCxnSpPr>
+          <p:cNvPr id="20" name="Straight Arrow Connector 19"/>
+          <p:cNvCxnSpPr/>
+          <p:nvPr/>
+        </p:nvCxnSpPr>
+        <p:spPr>
+          <a:xfrm>
+            <a:off x="527263" y="2309882"/>
+            <a:ext cx="614150" cy="0"/>
+          </a:xfrm>
+          <a:prstGeom prst="straightConnector1">
+            <a:avLst/>
+          </a:prstGeom>
+          <a:ln w="38100">
+            <a:tailEnd type="triangle"/>
+          </a:ln>
+        </p:spPr>
+        <p:style>
+          <a:lnRef idx="1">
+            <a:schemeClr val="dk1"/>
+          </a:lnRef>
+          <a:fillRef idx="0">
+            <a:schemeClr val="dk1"/>
+          </a:fillRef>
+          <a:effectRef idx="0">
+            <a:schemeClr val="dk1"/>
+          </a:effectRef>
+          <a:fontRef idx="minor">
+            <a:schemeClr val="tx1"/>
+          </a:fontRef>
+        </p:style>
+      </p:cxnSp>
+      <p:cxnSp>
+        <p:nvCxnSpPr>
+          <p:cNvPr id="21" name="Straight Arrow Connector 20"/>
+          <p:cNvCxnSpPr>
+            <a:endCxn id="7" idx="1"/>
+          </p:cNvCxnSpPr>
+          <p:nvPr/>
+        </p:nvCxnSpPr>
+        <p:spPr>
+          <a:xfrm>
+            <a:off x="1939807" y="2309882"/>
+            <a:ext cx="259308" cy="1"/>
+          </a:xfrm>
+          <a:prstGeom prst="straightConnector1">
+            <a:avLst/>
+          </a:prstGeom>
+          <a:ln w="38100">
+            <a:tailEnd type="triangle"/>
+          </a:ln>
+        </p:spPr>
+        <p:style>
+          <a:lnRef idx="1">
+            <a:schemeClr val="dk1"/>
+          </a:lnRef>
+          <a:fillRef idx="0">
+            <a:schemeClr val="dk1"/>
+          </a:fillRef>
+          <a:effectRef idx="0">
+            <a:schemeClr val="dk1"/>
+          </a:effectRef>
+          <a:fontRef idx="minor">
+            <a:schemeClr val="tx1"/>
+          </a:fontRef>
+        </p:style>
+      </p:cxnSp>
+      <p:cxnSp>
+        <p:nvCxnSpPr>
+          <p:cNvPr id="23" name="Straight Arrow Connector 22"/>
+          <p:cNvCxnSpPr/>
+          <p:nvPr/>
+        </p:nvCxnSpPr>
+        <p:spPr>
+          <a:xfrm>
+            <a:off x="4205337" y="2309881"/>
+            <a:ext cx="259308" cy="1"/>
+          </a:xfrm>
+          <a:prstGeom prst="straightConnector1">
+            <a:avLst/>
+          </a:prstGeom>
+          <a:ln w="38100">
+            <a:tailEnd type="triangle"/>
+          </a:ln>
+        </p:spPr>
+        <p:style>
+          <a:lnRef idx="1">
+            <a:schemeClr val="dk1"/>
+          </a:lnRef>
+          <a:fillRef idx="0">
+            <a:schemeClr val="dk1"/>
+          </a:fillRef>
+          <a:effectRef idx="0">
+            <a:schemeClr val="dk1"/>
+          </a:effectRef>
+          <a:fontRef idx="minor">
+            <a:schemeClr val="tx1"/>
+          </a:fontRef>
+        </p:style>
+      </p:cxnSp>
+      <p:cxnSp>
+        <p:nvCxnSpPr>
+          <p:cNvPr id="25" name="Elbow Connector 24"/>
+          <p:cNvCxnSpPr>
+            <a:stCxn id="12" idx="3"/>
+            <a:endCxn id="10" idx="1"/>
+          </p:cNvCxnSpPr>
+          <p:nvPr/>
+        </p:nvCxnSpPr>
+        <p:spPr>
+          <a:xfrm>
+            <a:off x="5263039" y="2309881"/>
+            <a:ext cx="486200" cy="484491"/>
+          </a:xfrm>
+          <a:prstGeom prst="bentConnector3">
+            <a:avLst/>
+          </a:prstGeom>
+          <a:ln w="38100">
+            <a:tailEnd type="triangle"/>
+          </a:ln>
+        </p:spPr>
+        <p:style>
+          <a:lnRef idx="1">
+            <a:schemeClr val="dk1"/>
+          </a:lnRef>
+          <a:fillRef idx="0">
+            <a:schemeClr val="dk1"/>
+          </a:fillRef>
+          <a:effectRef idx="0">
+            <a:schemeClr val="dk1"/>
+          </a:effectRef>
+          <a:fontRef idx="minor">
+            <a:schemeClr val="tx1"/>
+          </a:fontRef>
+        </p:style>
+      </p:cxnSp>
+      <p:cxnSp>
+        <p:nvCxnSpPr>
+          <p:cNvPr id="27" name="Elbow Connector 26"/>
+          <p:cNvCxnSpPr>
+            <a:stCxn id="12" idx="3"/>
+            <a:endCxn id="9" idx="1"/>
+          </p:cNvCxnSpPr>
+          <p:nvPr/>
+        </p:nvCxnSpPr>
+        <p:spPr>
+          <a:xfrm flipV="1">
+            <a:off x="5263039" y="1898745"/>
+            <a:ext cx="486200" cy="411136"/>
+          </a:xfrm>
+          <a:prstGeom prst="bentConnector3">
+            <a:avLst/>
+          </a:prstGeom>
+          <a:ln w="38100">
+            <a:tailEnd type="triangle"/>
+          </a:ln>
+        </p:spPr>
+        <p:style>
+          <a:lnRef idx="1">
+            <a:schemeClr val="dk1"/>
+          </a:lnRef>
+          <a:fillRef idx="0">
+            <a:schemeClr val="dk1"/>
+          </a:fillRef>
+          <a:effectRef idx="0">
+            <a:schemeClr val="dk1"/>
+          </a:effectRef>
+          <a:fontRef idx="minor">
+            <a:schemeClr val="tx1"/>
+          </a:fontRef>
+        </p:style>
+      </p:cxnSp>
+      <p:cxnSp>
+        <p:nvCxnSpPr>
+          <p:cNvPr id="31" name="Elbow Connector 30"/>
+          <p:cNvCxnSpPr>
+            <a:stCxn id="9" idx="3"/>
+            <a:endCxn id="13" idx="1"/>
+          </p:cNvCxnSpPr>
+          <p:nvPr/>
+        </p:nvCxnSpPr>
+        <p:spPr>
+          <a:xfrm>
+            <a:off x="7755461" y="1898745"/>
+            <a:ext cx="486200" cy="455494"/>
+          </a:xfrm>
+          <a:prstGeom prst="bentConnector3">
+            <a:avLst/>
+          </a:prstGeom>
+          <a:ln w="38100">
+            <a:tailEnd type="triangle"/>
+          </a:ln>
+        </p:spPr>
+        <p:style>
+          <a:lnRef idx="1">
+            <a:schemeClr val="dk1"/>
+          </a:lnRef>
+          <a:fillRef idx="0">
+            <a:schemeClr val="dk1"/>
+          </a:fillRef>
+          <a:effectRef idx="0">
+            <a:schemeClr val="dk1"/>
+          </a:effectRef>
+          <a:fontRef idx="minor">
+            <a:schemeClr val="tx1"/>
+          </a:fontRef>
+        </p:style>
+      </p:cxnSp>
+      <p:cxnSp>
+        <p:nvCxnSpPr>
+          <p:cNvPr id="33" name="Elbow Connector 32"/>
+          <p:cNvCxnSpPr>
+            <a:stCxn id="10" idx="3"/>
+            <a:endCxn id="13" idx="1"/>
+          </p:cNvCxnSpPr>
+          <p:nvPr/>
+        </p:nvCxnSpPr>
+        <p:spPr>
+          <a:xfrm flipV="1">
+            <a:off x="7755461" y="2354239"/>
+            <a:ext cx="486200" cy="440133"/>
+          </a:xfrm>
+          <a:prstGeom prst="bentConnector3">
+            <a:avLst/>
+          </a:prstGeom>
+          <a:ln w="38100">
+            <a:tailEnd type="triangle"/>
+          </a:ln>
+        </p:spPr>
+        <p:style>
+          <a:lnRef idx="1">
+            <a:schemeClr val="dk1"/>
+          </a:lnRef>
+          <a:fillRef idx="0">
+            <a:schemeClr val="dk1"/>
+          </a:fillRef>
+          <a:effectRef idx="0">
+            <a:schemeClr val="dk1"/>
+          </a:effectRef>
+          <a:fontRef idx="minor">
+            <a:schemeClr val="tx1"/>
+          </a:fontRef>
+        </p:style>
+      </p:cxnSp>
+      <p:sp>
+        <p:nvSpPr>
+          <p:cNvPr id="34" name="Rounded Rectangle 33"/>
+          <p:cNvSpPr/>
+          <p:nvPr/>
+        </p:nvSpPr>
+        <p:spPr>
+          <a:xfrm>
+            <a:off x="9526255" y="2060812"/>
+            <a:ext cx="2006222" cy="586853"/>
+          </a:xfrm>
+          <a:prstGeom prst="roundRect">
+            <a:avLst/>
+          </a:prstGeom>
+        </p:spPr>
+        <p:style>
+          <a:lnRef idx="2">
+            <a:schemeClr val="accent1">
+              <a:shade val="50000"/>
+            </a:schemeClr>
+          </a:lnRef>
+          <a:fillRef idx="1">
+            <a:schemeClr val="accent1"/>
+          </a:fillRef>
+          <a:effectRef idx="0">
+            <a:schemeClr val="accent1"/>
+          </a:effectRef>
+          <a:fontRef idx="minor">
+            <a:schemeClr val="lt1"/>
+          </a:fontRef>
+        </p:style>
+        <p:txBody>
+          <a:bodyPr rtlCol="0" anchor="ctr"/>
+          <a:lstStyle/>
+          <a:p>
+            <a:pPr algn="ctr"/>
+            <a:r>
+              <a:rPr lang="da-DK" dirty="0" smtClean="0"/>
+              <a:t>Application</a:t>
+            </a:r>
+            <a:endParaRPr lang="da-DK" dirty="0"/>
+          </a:p>
+        </p:txBody>
+      </p:sp>
+      <p:cxnSp>
+        <p:nvCxnSpPr>
+          <p:cNvPr id="38" name="Straight Arrow Connector 37"/>
+          <p:cNvCxnSpPr>
+            <a:stCxn id="13" idx="3"/>
+            <a:endCxn id="34" idx="1"/>
+          </p:cNvCxnSpPr>
+          <p:nvPr/>
+        </p:nvCxnSpPr>
+        <p:spPr>
+          <a:xfrm>
+            <a:off x="9040055" y="2354239"/>
+            <a:ext cx="486200" cy="0"/>
+          </a:xfrm>
+          <a:prstGeom prst="straightConnector1">
+            <a:avLst/>
+          </a:prstGeom>
+          <a:ln w="38100">
+            <a:tailEnd type="triangle"/>
+          </a:ln>
+        </p:spPr>
+        <p:style>
+          <a:lnRef idx="1">
+            <a:schemeClr val="dk1"/>
+          </a:lnRef>
+          <a:fillRef idx="0">
+            <a:schemeClr val="dk1"/>
+          </a:fillRef>
+          <a:effectRef idx="0">
+            <a:schemeClr val="dk1"/>
+          </a:effectRef>
+          <a:fontRef idx="minor">
+            <a:schemeClr val="tx1"/>
+          </a:fontRef>
+        </p:style>
+      </p:cxnSp>
+    </p:spTree>
+    <p:extLst>
+      <p:ext uri="{BB962C8B-B14F-4D97-AF65-F5344CB8AC3E}">
+        <p14:creationId xmlns:p14="http://schemas.microsoft.com/office/powerpoint/2010/main" val="2463372170"/>
+      </p:ext>
+    </p:extLst>
+  </p:cSld>
+  <p:clrMapOvr>
+    <a:masterClrMapping/>
+  </p:clrMapOvr>
+  <p:timing>
+    <p:tnLst>
+      <p:par>
+        <p:cTn id="1" dur="indefinite" restart="never" nodeType="tmRoot">
+          <p:childTnLst>
+            <p:seq concurrent="1" nextAc="seek">
+              <p:cTn id="2" dur="indefinite" nodeType="mainSeq">
+                <p:childTnLst>
+                  <p:par>
+                    <p:cTn id="3" fill="hold">
+                      <p:stCondLst>
+                        <p:cond delay="indefinite"/>
+                      </p:stCondLst>
+                      <p:childTnLst>
+                        <p:par>
+                          <p:cTn id="4" fill="hold">
+                            <p:stCondLst>
+                              <p:cond delay="0"/>
+                            </p:stCondLst>
+                            <p:childTnLst>
+                              <p:par>
+                                <p:cTn id="5" presetID="22" presetClass="entr" presetSubtype="1" fill="hold" nodeType="clickEffect">
+                                  <p:stCondLst>
+                                    <p:cond delay="0"/>
+                                  </p:stCondLst>
+                                  <p:childTnLst>
+                                    <p:set>
+                                      <p:cBhvr>
+                                        <p:cTn id="6" dur="1" fill="hold">
+                                          <p:stCondLst>
+                                            <p:cond delay="0"/>
+                                          </p:stCondLst>
+                                        </p:cTn>
+                                        <p:tgtEl>
+                                          <p:spTgt spid="45"/>
+                                        </p:tgtEl>
+                                        <p:attrNameLst>
+                                          <p:attrName>style.visibility</p:attrName>
+                                        </p:attrNameLst>
+                                      </p:cBhvr>
+                                      <p:to>
+                                        <p:strVal val="visible"/>
+                                      </p:to>
+                                    </p:set>
+                                    <p:animEffect transition="in" filter="wipe(up)">
+                                      <p:cBhvr>
+                                        <p:cTn id="7" dur="500"/>
+                                        <p:tgtEl>
+                                          <p:spTgt spid="45"/>
+                                        </p:tgtEl>
+                                      </p:cBhvr>
+                                    </p:animEffect>
+                                  </p:childTnLst>
+                                </p:cTn>
+                              </p:par>
+                            </p:childTnLst>
+                          </p:cTn>
+                        </p:par>
+                      </p:childTnLst>
+                    </p:cTn>
+                  </p:par>
+                  <p:par>
+                    <p:cTn id="8" fill="hold">
+                      <p:stCondLst>
+                        <p:cond delay="indefinite"/>
+                      </p:stCondLst>
+                      <p:childTnLst>
+                        <p:par>
+                          <p:cTn id="9" fill="hold">
+                            <p:stCondLst>
+                              <p:cond delay="0"/>
+                            </p:stCondLst>
+                            <p:childTnLst>
+                              <p:par>
+                                <p:cTn id="10" presetID="22" presetClass="exit" presetSubtype="4" fill="hold" nodeType="clickEffect">
+                                  <p:stCondLst>
+                                    <p:cond delay="0"/>
+                                  </p:stCondLst>
+                                  <p:childTnLst>
+                                    <p:animEffect transition="out" filter="wipe(down)">
+                                      <p:cBhvr>
+                                        <p:cTn id="11" dur="500"/>
+                                        <p:tgtEl>
+                                          <p:spTgt spid="45"/>
+                                        </p:tgtEl>
+                                      </p:cBhvr>
+                                    </p:animEffect>
+                                    <p:set>
+                                      <p:cBhvr>
+                                        <p:cTn id="12" dur="1" fill="hold">
+                                          <p:stCondLst>
+                                            <p:cond delay="499"/>
+                                          </p:stCondLst>
+                                        </p:cTn>
+                                        <p:tgtEl>
+                                          <p:spTgt spid="45"/>
+                                        </p:tgtEl>
+                                        <p:attrNameLst>
+                                          <p:attrName>style.visibility</p:attrName>
+                                        </p:attrNameLst>
+                                      </p:cBhvr>
+                                      <p:to>
+                                        <p:strVal val="hidden"/>
+                                      </p:to>
+                                    </p:set>
+                                  </p:childTnLst>
+                                </p:cTn>
+                              </p:par>
+                            </p:childTnLst>
+                          </p:cTn>
+                        </p:par>
+                      </p:childTnLst>
+                    </p:cTn>
+                  </p:par>
+                  <p:par>
+                    <p:cTn id="13" fill="hold">
+                      <p:stCondLst>
+                        <p:cond delay="indefinite"/>
+                      </p:stCondLst>
+                      <p:childTnLst>
+                        <p:par>
+                          <p:cTn id="14" fill="hold">
+                            <p:stCondLst>
+                              <p:cond delay="0"/>
+                            </p:stCondLst>
+                            <p:childTnLst>
+                              <p:par>
+                                <p:cTn id="15" presetID="22" presetClass="entr" presetSubtype="1" fill="hold" nodeType="clickEffect">
+                                  <p:stCondLst>
+                                    <p:cond delay="0"/>
+                                  </p:stCondLst>
+                                  <p:childTnLst>
+                                    <p:set>
+                                      <p:cBhvr>
+                                        <p:cTn id="16" dur="1" fill="hold">
+                                          <p:stCondLst>
+                                            <p:cond delay="0"/>
+                                          </p:stCondLst>
+                                        </p:cTn>
+                                        <p:tgtEl>
+                                          <p:spTgt spid="51"/>
+                                        </p:tgtEl>
+                                        <p:attrNameLst>
+                                          <p:attrName>style.visibility</p:attrName>
+                                        </p:attrNameLst>
+                                      </p:cBhvr>
+                                      <p:to>
+                                        <p:strVal val="visible"/>
+                                      </p:to>
+                                    </p:set>
+                                    <p:animEffect transition="in" filter="wipe(up)">
+                                      <p:cBhvr>
+                                        <p:cTn id="17" dur="500"/>
+                                        <p:tgtEl>
+                                          <p:spTgt spid="51"/>
+                                        </p:tgtEl>
+                                      </p:cBhvr>
+                                    </p:animEffect>
+                                  </p:childTnLst>
+                                </p:cTn>
+                              </p:par>
+                            </p:childTnLst>
+                          </p:cTn>
+                        </p:par>
+                      </p:childTnLst>
+                    </p:cTn>
+                  </p:par>
+                  <p:par>
+                    <p:cTn id="18" fill="hold">
+                      <p:stCondLst>
+                        <p:cond delay="indefinite"/>
+                      </p:stCondLst>
+                      <p:childTnLst>
+                        <p:par>
+                          <p:cTn id="19" fill="hold">
+                            <p:stCondLst>
+                              <p:cond delay="0"/>
+                            </p:stCondLst>
+                            <p:childTnLst>
+                              <p:par>
+                                <p:cTn id="20" presetID="22" presetClass="exit" presetSubtype="4" fill="hold" nodeType="clickEffect">
+                                  <p:stCondLst>
+                                    <p:cond delay="0"/>
+                                  </p:stCondLst>
+                                  <p:childTnLst>
+                                    <p:animEffect transition="out" filter="wipe(down)">
+                                      <p:cBhvr>
+                                        <p:cTn id="21" dur="500"/>
+                                        <p:tgtEl>
+                                          <p:spTgt spid="51"/>
+                                        </p:tgtEl>
+                                      </p:cBhvr>
+                                    </p:animEffect>
+                                    <p:set>
+                                      <p:cBhvr>
+                                        <p:cTn id="22" dur="1" fill="hold">
+                                          <p:stCondLst>
+                                            <p:cond delay="499"/>
+                                          </p:stCondLst>
+                                        </p:cTn>
+                                        <p:tgtEl>
+                                          <p:spTgt spid="51"/>
+                                        </p:tgtEl>
+                                        <p:attrNameLst>
+                                          <p:attrName>style.visibility</p:attrName>
+                                        </p:attrNameLst>
+                                      </p:cBhvr>
+                                      <p:to>
+                                        <p:strVal val="hidden"/>
+                                      </p:to>
+                                    </p:set>
+                                  </p:childTnLst>
+                                </p:cTn>
+                              </p:par>
+                            </p:childTnLst>
+                          </p:cTn>
+                        </p:par>
+                      </p:childTnLst>
+                    </p:cTn>
+                  </p:par>
+                </p:childTnLst>
+              </p:cTn>
+              <p:prevCondLst>
+                <p:cond evt="onPrev" delay="0">
+                  <p:tgtEl>
+                    <p:sldTgt/>
+                  </p:tgtEl>
+                </p:cond>
+              </p:prevCondLst>
+              <p:nextCondLst>
+                <p:cond evt="onNext" delay="0">
+                  <p:tgtEl>
+                    <p:sldTgt/>
+                  </p:tgtEl>
+                </p:cond>
+              </p:nextCondLst>
+            </p:seq>
+          </p:childTnLst>
+        </p:cTn>
+      </p:par>
+    </p:tnLst>
+  </p:timing>
+</p:sld>
+</file>
+
+<file path=ppt/slides/slide11.xml><?xml version="1.0" encoding="utf-8"?>
+<p:sld xmlns:a="http://schemas.openxmlformats.org/drawingml/2006/main" xmlns:r="http://schemas.openxmlformats.org/officeDocument/2006/relationships" xmlns:p="http://schemas.openxmlformats.org/presentationml/2006/main">
+  <p:cSld>
+    <p:spTree>
+      <p:nvGrpSpPr>
+        <p:cNvPr id="1" name=""/>
+        <p:cNvGrpSpPr/>
+        <p:nvPr/>
+      </p:nvGrpSpPr>
+      <p:grpSpPr>
+        <a:xfrm>
+          <a:off x="0" y="0"/>
+          <a:ext cx="0" cy="0"/>
+          <a:chOff x="0" y="0"/>
+          <a:chExt cx="0" cy="0"/>
+        </a:xfrm>
+      </p:grpSpPr>
       <p:sp>
         <p:nvSpPr>
           <p:cNvPr id="2" name="Title 1"/>
@@ -14013,6 +15151,89 @@
           </a:prstGeom>
         </p:spPr>
       </p:pic>
+      <p:sp>
+        <p:nvSpPr>
+          <p:cNvPr id="20" name="TextBox 19"/>
+          <p:cNvSpPr txBox="1"/>
+          <p:nvPr/>
+        </p:nvSpPr>
+        <p:spPr>
+          <a:xfrm>
+            <a:off x="1388102" y="6355366"/>
+            <a:ext cx="8773342" cy="553998"/>
+          </a:xfrm>
+          <a:prstGeom prst="rect">
+            <a:avLst/>
+          </a:prstGeom>
+          <a:noFill/>
+        </p:spPr>
+        <p:txBody>
+          <a:bodyPr wrap="square" rtlCol="0">
+            <a:spAutoFit/>
+          </a:bodyPr>
+          <a:lstStyle/>
+          <a:p>
+            <a:r>
+              <a:rPr lang="en-US" sz="1000" dirty="0" smtClean="0"/>
+              <a:t>Source: </a:t>
+            </a:r>
+            <a:r>
+              <a:rPr lang="da-DK" sz="1000" dirty="0"/>
+              <a:t>A. </a:t>
+            </a:r>
+            <a:r>
+              <a:rPr lang="da-DK" sz="1000" dirty="0" err="1"/>
+              <a:t>Zoha</a:t>
+            </a:r>
+            <a:r>
+              <a:rPr lang="da-DK" sz="1000" dirty="0"/>
+              <a:t>, A. </a:t>
+            </a:r>
+            <a:r>
+              <a:rPr lang="da-DK" sz="1000" dirty="0" err="1"/>
+              <a:t>Gluhak</a:t>
+            </a:r>
+            <a:r>
+              <a:rPr lang="da-DK" sz="1000" dirty="0"/>
+              <a:t>, M. A. Imran, and S. </a:t>
+            </a:r>
+            <a:r>
+              <a:rPr lang="da-DK" sz="1000" dirty="0" err="1"/>
+              <a:t>Rajasegarar</a:t>
+            </a:r>
+            <a:r>
+              <a:rPr lang="da-DK" sz="1000" dirty="0"/>
+              <a:t>, Non-</a:t>
+            </a:r>
+            <a:r>
+              <a:rPr lang="da-DK" sz="1000" dirty="0" err="1"/>
+              <a:t>intrusive</a:t>
+            </a:r>
+            <a:r>
+              <a:rPr lang="da-DK" sz="1000" dirty="0"/>
+              <a:t> load </a:t>
+            </a:r>
+            <a:r>
+              <a:rPr lang="da-DK" sz="1000" dirty="0" err="1"/>
+              <a:t>monitoring</a:t>
+            </a:r>
+            <a:endParaRPr lang="da-DK" sz="1000" dirty="0"/>
+          </a:p>
+          <a:p>
+            <a:r>
+              <a:rPr lang="en-US" sz="1000" dirty="0"/>
+              <a:t>approaches for disaggregated energy sensing: A survey, Sensors, vol. 12, no. 12, pp.</a:t>
+            </a:r>
+          </a:p>
+          <a:p>
+            <a:r>
+              <a:rPr lang="da-DK" sz="1000" dirty="0"/>
+              <a:t>16 83816 866, 2012.</a:t>
+            </a:r>
+            <a:endParaRPr lang="en-US" sz="1000" dirty="0"/>
+          </a:p>
+        </p:txBody>
+      </p:sp>
     </p:spTree>
     <p:extLst>
       <p:ext uri="{BB962C8B-B14F-4D97-AF65-F5344CB8AC3E}">
@@ -14033,7 +15254,7 @@
 </p:sld>
 </file>
 
-<file path=ppt/slides/slide11.xml><?xml version="1.0" encoding="utf-8"?>
+<file path=ppt/slides/slide12.xml><?xml version="1.0" encoding="utf-8"?>
 <p:sld xmlns:a="http://schemas.openxmlformats.org/drawingml/2006/main" xmlns:r="http://schemas.openxmlformats.org/officeDocument/2006/relationships" xmlns:p="http://schemas.openxmlformats.org/presentationml/2006/main">
   <p:cSld>
     <p:spTree>
@@ -14410,7 +15631,7 @@
 </p:sld>
 </file>
 
-<file path=ppt/slides/slide12.xml><?xml version="1.0" encoding="utf-8"?>
+<file path=ppt/slides/slide13.xml><?xml version="1.0" encoding="utf-8"?>
 <p:sld xmlns:a="http://schemas.openxmlformats.org/drawingml/2006/main" xmlns:r="http://schemas.openxmlformats.org/officeDocument/2006/relationships" xmlns:p="http://schemas.openxmlformats.org/presentationml/2006/main">
   <p:cSld>
     <p:spTree>
@@ -14569,6 +15790,99 @@
           </a:p>
         </p:txBody>
       </p:sp>
+      <p:sp>
+        <p:nvSpPr>
+          <p:cNvPr id="3" name="Rectangle 2"/>
+          <p:cNvSpPr/>
+          <p:nvPr/>
+        </p:nvSpPr>
+        <p:spPr>
+          <a:xfrm>
+            <a:off x="1375955" y="6463791"/>
+            <a:ext cx="6096000" cy="400110"/>
+          </a:xfrm>
+          <a:prstGeom prst="rect">
+            <a:avLst/>
+          </a:prstGeom>
+        </p:spPr>
+        <p:txBody>
+          <a:bodyPr>
+            <a:spAutoFit/>
+          </a:bodyPr>
+          <a:lstStyle/>
+          <a:p>
+            <a:r>
+              <a:rPr lang="en-US" sz="1000" dirty="0" smtClean="0">
+                <a:latin typeface="F17"/>
+              </a:rPr>
+              <a:t>Source: Z</a:t>
+            </a:r>
+            <a:r>
+              <a:rPr lang="en-US" sz="1000" dirty="0">
+                <a:latin typeface="F17"/>
+              </a:rPr>
+              <a:t>. </a:t>
+            </a:r>
+            <a:r>
+              <a:rPr lang="en-US" sz="1000" dirty="0" err="1">
+                <a:latin typeface="F17"/>
+              </a:rPr>
+              <a:t>Ghahramani</a:t>
+            </a:r>
+            <a:r>
+              <a:rPr lang="en-US" sz="1000" dirty="0">
+                <a:latin typeface="F17"/>
+              </a:rPr>
+              <a:t> and M. I. Jordan, Factorial hidden </a:t>
+            </a:r>
+            <a:r>
+              <a:rPr lang="en-US" sz="1000" dirty="0" err="1">
+                <a:latin typeface="F17"/>
+              </a:rPr>
+              <a:t>markov</a:t>
+            </a:r>
+            <a:r>
+              <a:rPr lang="en-US" sz="1000" dirty="0">
+                <a:latin typeface="F17"/>
+              </a:rPr>
+              <a:t> models, </a:t>
+            </a:r>
+            <a:r>
+              <a:rPr lang="en-US" sz="1000" dirty="0">
+                <a:latin typeface="F52"/>
+              </a:rPr>
+              <a:t>Machine Learning</a:t>
+            </a:r>
+            <a:r>
+              <a:rPr lang="en-US" sz="1000" dirty="0">
+                <a:latin typeface="F17"/>
+              </a:rPr>
+              <a:t>,</a:t>
+            </a:r>
+          </a:p>
+          <a:p>
+            <a:r>
+              <a:rPr lang="da-DK" sz="1000" dirty="0">
+                <a:latin typeface="F17"/>
+              </a:rPr>
+              <a:t>vol. 29, no. 2, </a:t>
+            </a:r>
+            <a:r>
+              <a:rPr lang="da-DK" sz="1000" dirty="0" err="1">
+                <a:latin typeface="F17"/>
+              </a:rPr>
+              <a:t>pp</a:t>
+            </a:r>
+            <a:r>
+              <a:rPr lang="da-DK" sz="1000" dirty="0">
+                <a:latin typeface="F17"/>
+              </a:rPr>
+              <a:t>. 245273, 1997.</a:t>
+            </a:r>
+            <a:endParaRPr lang="da-DK" sz="1000" dirty="0"/>
+          </a:p>
+        </p:txBody>
+      </p:sp>
     </p:spTree>
     <p:extLst>
       <p:ext uri="{BB962C8B-B14F-4D97-AF65-F5344CB8AC3E}">
@@ -14589,7 +15903,7 @@
 </p:sld>
 </file>
 
-<file path=ppt/slides/slide13.xml><?xml version="1.0" encoding="utf-8"?>
+<file path=ppt/slides/slide14.xml><?xml version="1.0" encoding="utf-8"?>
 <p:sld xmlns:a="http://schemas.openxmlformats.org/drawingml/2006/main" xmlns:r="http://schemas.openxmlformats.org/officeDocument/2006/relationships" xmlns:p="http://schemas.openxmlformats.org/presentationml/2006/main">
   <p:cSld>
     <p:spTree>
@@ -14688,6 +16002,55 @@
           </a:p>
         </p:txBody>
       </p:sp>
+      <p:sp>
+        <p:nvSpPr>
+          <p:cNvPr id="8" name="Rectangle 7"/>
+          <p:cNvSpPr/>
+          <p:nvPr/>
+        </p:nvSpPr>
+        <p:spPr>
+          <a:xfrm>
+            <a:off x="1375955" y="6457890"/>
+            <a:ext cx="6096000" cy="400110"/>
+          </a:xfrm>
+          <a:prstGeom prst="rect">
+            <a:avLst/>
+          </a:prstGeom>
+        </p:spPr>
+        <p:txBody>
+          <a:bodyPr>
+            <a:spAutoFit/>
+          </a:bodyPr>
+          <a:lstStyle/>
+          <a:p>
+            <a:r>
+              <a:rPr lang="en-US" sz="1000" dirty="0" smtClean="0">
+                <a:latin typeface="F17"/>
+              </a:rPr>
+              <a:t>Source: </a:t>
+            </a:r>
+            <a:r>
+              <a:rPr lang="en-US" sz="1000" dirty="0" smtClean="0"/>
+              <a:t>O</a:t>
+            </a:r>
+            <a:r>
+              <a:rPr lang="en-US" sz="1000" dirty="0"/>
+              <a:t>. Parson, S. Ghosh, M. Weal, and A. Rogers, Non-intrusive load monitoring using prior</a:t>
+            </a:r>
+          </a:p>
+          <a:p>
+            <a:r>
+              <a:rPr lang="en-US" sz="1000" dirty="0"/>
+              <a:t>models of general appliance types, pp. 356362, July 2012</a:t>
+            </a:r>
+            <a:r>
+              <a:rPr lang="en-US" sz="1000" dirty="0" smtClean="0"/>
+              <a:t>.</a:t>
+            </a:r>
+            <a:endParaRPr lang="da-DK" sz="1000" dirty="0"/>
+          </a:p>
+        </p:txBody>
+      </p:sp>
     </p:spTree>
     <p:extLst>
       <p:ext uri="{BB962C8B-B14F-4D97-AF65-F5344CB8AC3E}">
@@ -14708,7 +16071,7 @@
 </p:sld>
 </file>
 
-<file path=ppt/slides/slide14.xml><?xml version="1.0" encoding="utf-8"?>
+<file path=ppt/slides/slide15.xml><?xml version="1.0" encoding="utf-8"?>
 <p:sld xmlns:a="http://schemas.openxmlformats.org/drawingml/2006/main" xmlns:r="http://schemas.openxmlformats.org/officeDocument/2006/relationships" xmlns:p="http://schemas.openxmlformats.org/presentationml/2006/main">
   <p:cSld>
     <p:spTree>
@@ -15231,7 +16594,6 @@
               <a:rPr lang="da-DK" sz="3000" dirty="0"/>
               <a:t>P</a:t>
             </a:r>
-            <a:endParaRPr lang="da-DK" sz="3000" dirty="0"/>
           </a:p>
         </p:txBody>
       </p:sp>
@@ -15305,169 +16667,16 @@
           </a:prstGeom>
         </p:spPr>
       </p:pic>
-    </p:spTree>
-    <p:extLst>
-      <p:ext uri="{BB962C8B-B14F-4D97-AF65-F5344CB8AC3E}">
-        <p14:creationId xmlns:p14="http://schemas.microsoft.com/office/powerpoint/2010/main" val="2350313711"/>
-      </p:ext>
-    </p:extLst>
-  </p:cSld>
-  <p:clrMapOvr>
-    <a:masterClrMapping/>
-  </p:clrMapOvr>
-  <p:timing>
-    <p:tnLst>
-      <p:par>
-        <p:cTn id="1" dur="indefinite" restart="never" nodeType="tmRoot"/>
-      </p:par>
-    </p:tnLst>
-  </p:timing>
-</p:sld>
-</file>
-
-<file path=ppt/slides/slide15.xml><?xml version="1.0" encoding="utf-8"?>
-<p:sld xmlns:a="http://schemas.openxmlformats.org/drawingml/2006/main" xmlns:r="http://schemas.openxmlformats.org/officeDocument/2006/relationships" xmlns:p="http://schemas.openxmlformats.org/presentationml/2006/main">
-  <p:cSld>
-    <p:spTree>
-      <p:nvGrpSpPr>
-        <p:cNvPr id="1" name=""/>
-        <p:cNvGrpSpPr/>
-        <p:nvPr/>
-      </p:nvGrpSpPr>
-      <p:grpSpPr>
-        <a:xfrm>
-          <a:off x="0" y="0"/>
-          <a:ext cx="0" cy="0"/>
-          <a:chOff x="0" y="0"/>
-          <a:chExt cx="0" cy="0"/>
-        </a:xfrm>
-      </p:grpSpPr>
       <p:sp>
         <p:nvSpPr>
-          <p:cNvPr id="2" name="Title 1"/>
-          <p:cNvSpPr>
-            <a:spLocks noGrp="1"/>
-          </p:cNvSpPr>
-          <p:nvPr>
-            <p:ph type="title"/>
-          </p:nvPr>
-        </p:nvSpPr>
-        <p:spPr>
-          <a:xfrm>
-            <a:off x="1141413" y="618518"/>
-            <a:ext cx="9905998" cy="916984"/>
-          </a:xfrm>
-        </p:spPr>
-        <p:txBody>
-          <a:bodyPr/>
-          <a:lstStyle/>
-          <a:p>
-            <a:r>
-              <a:rPr lang="en-US" dirty="0" smtClean="0"/>
-              <a:t>Detection Methods</a:t>
-            </a:r>
-            <a:endParaRPr lang="en-US" dirty="0"/>
-          </a:p>
-        </p:txBody>
-      </p:sp>
-      <p:pic>
-        <p:nvPicPr>
-          <p:cNvPr id="4" name="Content Placeholder 3"/>
-          <p:cNvPicPr>
-            <a:picLocks noGrp="1" noChangeAspect="1"/>
-          </p:cNvPicPr>
-          <p:nvPr>
-            <p:ph idx="1"/>
-          </p:nvPr>
-        </p:nvPicPr>
-        <p:blipFill>
-          <a:blip r:embed="rId3">
-            <a:extLst>
-              <a:ext uri="{28A0092B-C50C-407E-A947-70E740481C1C}">
-                <a14:useLocalDpi xmlns:a14="http://schemas.microsoft.com/office/drawing/2010/main" val="0"/>
-              </a:ext>
-            </a:extLst>
-          </a:blip>
-          <a:stretch>
-            <a:fillRect/>
-          </a:stretch>
-        </p:blipFill>
-        <p:spPr>
-          <a:xfrm>
-            <a:off x="855605" y="1535502"/>
-            <a:ext cx="5238807" cy="5147243"/>
-          </a:xfrm>
-          <a:prstGeom prst="roundRect">
-            <a:avLst>
-              <a:gd name="adj" fmla="val 8594"/>
-            </a:avLst>
-          </a:prstGeom>
-          <a:solidFill>
-            <a:srgbClr val="FFFFFF">
-              <a:shade val="85000"/>
-            </a:srgbClr>
-          </a:solidFill>
-          <a:ln>
-            <a:noFill/>
-          </a:ln>
-          <a:effectLst>
-            <a:reflection blurRad="12700" stA="38000" endPos="28000" dist="5000" dir="5400000" sy="-100000" algn="bl" rotWithShape="0"/>
-          </a:effectLst>
-        </p:spPr>
-      </p:pic>
-      <p:pic>
-        <p:nvPicPr>
-          <p:cNvPr id="5" name="Picture 4"/>
-          <p:cNvPicPr>
-            <a:picLocks noChangeAspect="1"/>
-          </p:cNvPicPr>
-          <p:nvPr/>
-        </p:nvPicPr>
-        <p:blipFill>
-          <a:blip r:embed="rId4">
-            <a:extLst>
-              <a:ext uri="{28A0092B-C50C-407E-A947-70E740481C1C}">
-                <a14:useLocalDpi xmlns:a14="http://schemas.microsoft.com/office/drawing/2010/main" val="0"/>
-              </a:ext>
-            </a:extLst>
-          </a:blip>
-          <a:stretch>
-            <a:fillRect/>
-          </a:stretch>
-        </p:blipFill>
-        <p:spPr>
-          <a:xfrm>
-            <a:off x="6380220" y="1399807"/>
-            <a:ext cx="5360629" cy="5282938"/>
-          </a:xfrm>
-          <a:prstGeom prst="roundRect">
-            <a:avLst>
-              <a:gd name="adj" fmla="val 8594"/>
-            </a:avLst>
-          </a:prstGeom>
-          <a:solidFill>
-            <a:srgbClr val="FFFFFF">
-              <a:shade val="85000"/>
-            </a:srgbClr>
-          </a:solidFill>
-          <a:ln>
-            <a:noFill/>
-          </a:ln>
-          <a:effectLst>
-            <a:reflection blurRad="12700" stA="38000" endPos="28000" dist="5000" dir="5400000" sy="-100000" algn="bl" rotWithShape="0"/>
-          </a:effectLst>
-        </p:spPr>
-      </p:pic>
-      <p:sp>
-        <p:nvSpPr>
-          <p:cNvPr id="6" name="TextBox 5"/>
+          <p:cNvPr id="3" name="TextBox 2"/>
           <p:cNvSpPr txBox="1"/>
           <p:nvPr/>
         </p:nvSpPr>
         <p:spPr>
           <a:xfrm>
-            <a:off x="3268862" y="1443169"/>
-            <a:ext cx="412292" cy="369332"/>
+            <a:off x="1555442" y="6397693"/>
+            <a:ext cx="4887877" cy="400110"/>
           </a:xfrm>
           <a:prstGeom prst="rect">
             <a:avLst/>
@@ -15481,63 +16690,27 @@
           <a:lstStyle/>
           <a:p>
             <a:r>
-              <a:rPr lang="da-DK" dirty="0" smtClean="0">
-                <a:solidFill>
-                  <a:schemeClr val="bg1"/>
-                </a:solidFill>
-              </a:rPr>
-              <a:t>F1</a:t>
-            </a:r>
-            <a:endParaRPr lang="da-DK" dirty="0">
-              <a:solidFill>
-                <a:schemeClr val="bg1"/>
-              </a:solidFill>
-            </a:endParaRPr>
-          </a:p>
-        </p:txBody>
-      </p:sp>
-      <p:sp>
-        <p:nvSpPr>
-          <p:cNvPr id="7" name="TextBox 6"/>
-          <p:cNvSpPr txBox="1"/>
-          <p:nvPr/>
-        </p:nvSpPr>
-        <p:spPr>
-          <a:xfrm>
-            <a:off x="8744115" y="1350836"/>
-            <a:ext cx="1008609" cy="369332"/>
-          </a:xfrm>
-          <a:prstGeom prst="rect">
-            <a:avLst/>
-          </a:prstGeom>
-          <a:noFill/>
-        </p:spPr>
-        <p:txBody>
-          <a:bodyPr wrap="none" rtlCol="0">
-            <a:spAutoFit/>
-          </a:bodyPr>
-          <a:lstStyle/>
-          <a:p>
-            <a:r>
-              <a:rPr lang="da-DK" dirty="0" smtClean="0">
-                <a:solidFill>
-                  <a:schemeClr val="bg1"/>
-                </a:solidFill>
-              </a:rPr>
-              <a:t>Accuracy</a:t>
-            </a:r>
-            <a:endParaRPr lang="da-DK" dirty="0">
-              <a:solidFill>
-                <a:schemeClr val="bg1"/>
-              </a:solidFill>
-            </a:endParaRPr>
+              <a:rPr lang="nb-NO" sz="1000" dirty="0" smtClean="0"/>
+              <a:t>Source: M</a:t>
+            </a:r>
+            <a:r>
+              <a:rPr lang="nb-NO" sz="1000" dirty="0"/>
+              <a:t>. Weiss, A. Helfenstein, F. Mattern, and T. Staake, Leveraging smart meter data to</a:t>
+            </a:r>
+          </a:p>
+          <a:p>
+            <a:r>
+              <a:rPr lang="en-US" sz="1000" dirty="0"/>
+              <a:t>recognize home appliances, pp. 190197, 2012.</a:t>
+            </a:r>
+            <a:endParaRPr lang="da-DK" sz="1000" dirty="0"/>
           </a:p>
         </p:txBody>
       </p:sp>
     </p:spTree>
     <p:extLst>
       <p:ext uri="{BB962C8B-B14F-4D97-AF65-F5344CB8AC3E}">
-        <p14:creationId xmlns:p14="http://schemas.microsoft.com/office/powerpoint/2010/main" val="1929630138"/>
+        <p14:creationId xmlns:p14="http://schemas.microsoft.com/office/powerpoint/2010/main" val="2350313711"/>
       </p:ext>
     </p:extLst>
   </p:cSld>
@@ -15593,6 +16766,268 @@
           <a:p>
             <a:r>
               <a:rPr lang="en-US" dirty="0" smtClean="0"/>
+              <a:t>Detection Methods</a:t>
+            </a:r>
+            <a:endParaRPr lang="en-US" dirty="0"/>
+          </a:p>
+        </p:txBody>
+      </p:sp>
+      <p:pic>
+        <p:nvPicPr>
+          <p:cNvPr id="4" name="Content Placeholder 3"/>
+          <p:cNvPicPr>
+            <a:picLocks noGrp="1" noChangeAspect="1"/>
+          </p:cNvPicPr>
+          <p:nvPr>
+            <p:ph idx="1"/>
+          </p:nvPr>
+        </p:nvPicPr>
+        <p:blipFill>
+          <a:blip r:embed="rId3">
+            <a:extLst>
+              <a:ext uri="{28A0092B-C50C-407E-A947-70E740481C1C}">
+                <a14:useLocalDpi xmlns:a14="http://schemas.microsoft.com/office/drawing/2010/main" val="0"/>
+              </a:ext>
+            </a:extLst>
+          </a:blip>
+          <a:stretch>
+            <a:fillRect/>
+          </a:stretch>
+        </p:blipFill>
+        <p:spPr>
+          <a:xfrm>
+            <a:off x="865036" y="1464536"/>
+            <a:ext cx="5238807" cy="5147243"/>
+          </a:xfrm>
+          <a:prstGeom prst="roundRect">
+            <a:avLst>
+              <a:gd name="adj" fmla="val 8594"/>
+            </a:avLst>
+          </a:prstGeom>
+          <a:solidFill>
+            <a:srgbClr val="FFFFFF">
+              <a:shade val="85000"/>
+            </a:srgbClr>
+          </a:solidFill>
+          <a:ln>
+            <a:noFill/>
+          </a:ln>
+          <a:effectLst>
+            <a:reflection blurRad="12700" stA="38000" endPos="28000" dist="5000" dir="5400000" sy="-100000" algn="bl" rotWithShape="0"/>
+          </a:effectLst>
+        </p:spPr>
+      </p:pic>
+      <p:pic>
+        <p:nvPicPr>
+          <p:cNvPr id="5" name="Picture 4"/>
+          <p:cNvPicPr>
+            <a:picLocks noChangeAspect="1"/>
+          </p:cNvPicPr>
+          <p:nvPr/>
+        </p:nvPicPr>
+        <p:blipFill>
+          <a:blip r:embed="rId4">
+            <a:extLst>
+              <a:ext uri="{28A0092B-C50C-407E-A947-70E740481C1C}">
+                <a14:useLocalDpi xmlns:a14="http://schemas.microsoft.com/office/drawing/2010/main" val="0"/>
+              </a:ext>
+            </a:extLst>
+          </a:blip>
+          <a:stretch>
+            <a:fillRect/>
+          </a:stretch>
+        </p:blipFill>
+        <p:spPr>
+          <a:xfrm>
+            <a:off x="6380220" y="1350836"/>
+            <a:ext cx="5360629" cy="5282938"/>
+          </a:xfrm>
+          <a:prstGeom prst="roundRect">
+            <a:avLst>
+              <a:gd name="adj" fmla="val 8594"/>
+            </a:avLst>
+          </a:prstGeom>
+          <a:solidFill>
+            <a:srgbClr val="FFFFFF">
+              <a:shade val="85000"/>
+            </a:srgbClr>
+          </a:solidFill>
+          <a:ln>
+            <a:noFill/>
+          </a:ln>
+          <a:effectLst>
+            <a:reflection blurRad="12700" stA="38000" endPos="28000" dist="5000" dir="5400000" sy="-100000" algn="bl" rotWithShape="0"/>
+          </a:effectLst>
+        </p:spPr>
+      </p:pic>
+      <p:sp>
+        <p:nvSpPr>
+          <p:cNvPr id="6" name="TextBox 5"/>
+          <p:cNvSpPr txBox="1"/>
+          <p:nvPr/>
+        </p:nvSpPr>
+        <p:spPr>
+          <a:xfrm>
+            <a:off x="3268862" y="1443169"/>
+            <a:ext cx="412292" cy="369332"/>
+          </a:xfrm>
+          <a:prstGeom prst="rect">
+            <a:avLst/>
+          </a:prstGeom>
+          <a:noFill/>
+        </p:spPr>
+        <p:txBody>
+          <a:bodyPr wrap="none" rtlCol="0">
+            <a:spAutoFit/>
+          </a:bodyPr>
+          <a:lstStyle/>
+          <a:p>
+            <a:r>
+              <a:rPr lang="da-DK" dirty="0" smtClean="0">
+                <a:solidFill>
+                  <a:schemeClr val="bg1"/>
+                </a:solidFill>
+              </a:rPr>
+              <a:t>F1</a:t>
+            </a:r>
+            <a:endParaRPr lang="da-DK" dirty="0">
+              <a:solidFill>
+                <a:schemeClr val="bg1"/>
+              </a:solidFill>
+            </a:endParaRPr>
+          </a:p>
+        </p:txBody>
+      </p:sp>
+      <p:sp>
+        <p:nvSpPr>
+          <p:cNvPr id="7" name="TextBox 6"/>
+          <p:cNvSpPr txBox="1"/>
+          <p:nvPr/>
+        </p:nvSpPr>
+        <p:spPr>
+          <a:xfrm>
+            <a:off x="8744115" y="1350836"/>
+            <a:ext cx="1008609" cy="369332"/>
+          </a:xfrm>
+          <a:prstGeom prst="rect">
+            <a:avLst/>
+          </a:prstGeom>
+          <a:noFill/>
+        </p:spPr>
+        <p:txBody>
+          <a:bodyPr wrap="none" rtlCol="0">
+            <a:spAutoFit/>
+          </a:bodyPr>
+          <a:lstStyle/>
+          <a:p>
+            <a:r>
+              <a:rPr lang="da-DK" dirty="0" smtClean="0">
+                <a:solidFill>
+                  <a:schemeClr val="bg1"/>
+                </a:solidFill>
+              </a:rPr>
+              <a:t>Accuracy</a:t>
+            </a:r>
+            <a:endParaRPr lang="da-DK" dirty="0">
+              <a:solidFill>
+                <a:schemeClr val="bg1"/>
+              </a:solidFill>
+            </a:endParaRPr>
+          </a:p>
+        </p:txBody>
+      </p:sp>
+      <p:sp>
+        <p:nvSpPr>
+          <p:cNvPr id="8" name="TextBox 7"/>
+          <p:cNvSpPr txBox="1"/>
+          <p:nvPr/>
+        </p:nvSpPr>
+        <p:spPr>
+          <a:xfrm>
+            <a:off x="1367968" y="6611779"/>
+            <a:ext cx="1628972" cy="246221"/>
+          </a:xfrm>
+          <a:prstGeom prst="rect">
+            <a:avLst/>
+          </a:prstGeom>
+          <a:noFill/>
+        </p:spPr>
+        <p:txBody>
+          <a:bodyPr wrap="none" rtlCol="0">
+            <a:spAutoFit/>
+          </a:bodyPr>
+          <a:lstStyle/>
+          <a:p>
+            <a:r>
+              <a:rPr lang="en-US" sz="1000" dirty="0" smtClean="0"/>
+              <a:t>Source: </a:t>
+            </a:r>
+            <a:r>
+              <a:rPr lang="en-US" sz="1000" dirty="0"/>
+              <a:t>From Master’s Thesis</a:t>
+            </a:r>
+          </a:p>
+        </p:txBody>
+      </p:sp>
+    </p:spTree>
+    <p:extLst>
+      <p:ext uri="{BB962C8B-B14F-4D97-AF65-F5344CB8AC3E}">
+        <p14:creationId xmlns:p14="http://schemas.microsoft.com/office/powerpoint/2010/main" val="1929630138"/>
+      </p:ext>
+    </p:extLst>
+  </p:cSld>
+  <p:clrMapOvr>
+    <a:masterClrMapping/>
+  </p:clrMapOvr>
+  <p:timing>
+    <p:tnLst>
+      <p:par>
+        <p:cTn id="1" dur="indefinite" restart="never" nodeType="tmRoot"/>
+      </p:par>
+    </p:tnLst>
+  </p:timing>
+</p:sld>
+</file>
+
+<file path=ppt/slides/slide17.xml><?xml version="1.0" encoding="utf-8"?>
+<p:sld xmlns:a="http://schemas.openxmlformats.org/drawingml/2006/main" xmlns:r="http://schemas.openxmlformats.org/officeDocument/2006/relationships" xmlns:p="http://schemas.openxmlformats.org/presentationml/2006/main">
+  <p:cSld>
+    <p:spTree>
+      <p:nvGrpSpPr>
+        <p:cNvPr id="1" name=""/>
+        <p:cNvGrpSpPr/>
+        <p:nvPr/>
+      </p:nvGrpSpPr>
+      <p:grpSpPr>
+        <a:xfrm>
+          <a:off x="0" y="0"/>
+          <a:ext cx="0" cy="0"/>
+          <a:chOff x="0" y="0"/>
+          <a:chExt cx="0" cy="0"/>
+        </a:xfrm>
+      </p:grpSpPr>
+      <p:sp>
+        <p:nvSpPr>
+          <p:cNvPr id="2" name="Title 1"/>
+          <p:cNvSpPr>
+            <a:spLocks noGrp="1"/>
+          </p:cNvSpPr>
+          <p:nvPr>
+            <p:ph type="title"/>
+          </p:nvPr>
+        </p:nvSpPr>
+        <p:spPr>
+          <a:xfrm>
+            <a:off x="1141413" y="618518"/>
+            <a:ext cx="9905998" cy="916984"/>
+          </a:xfrm>
+        </p:spPr>
+        <p:txBody>
+          <a:bodyPr/>
+          <a:lstStyle/>
+          <a:p>
+            <a:r>
+              <a:rPr lang="en-US" dirty="0" smtClean="0"/>
               <a:t>Challenges and pitfalls</a:t>
             </a:r>
             <a:endParaRPr lang="en-US" dirty="0"/>
@@ -15619,27 +17054,55 @@
           <a:bodyPr/>
           <a:lstStyle/>
           <a:p>
+            <a:r>
+              <a:rPr lang="en-US" dirty="0" smtClean="0"/>
+              <a:t>Type III &amp; Type IV is hard </a:t>
+            </a:r>
+          </a:p>
+          <a:p>
+            <a:r>
+              <a:rPr lang="en-US" dirty="0" smtClean="0"/>
+              <a:t>Uniqueness is the </a:t>
+            </a:r>
+            <a:r>
+              <a:rPr lang="en-US" dirty="0" smtClean="0"/>
+              <a:t>key</a:t>
+            </a:r>
+          </a:p>
+          <a:p>
             <a:pPr marL="0" indent="0">
               <a:buNone/>
             </a:pPr>
-            <a:endParaRPr lang="da-DK" dirty="0" smtClean="0"/>
-          </a:p>
-          <a:p>
-            <a:r>
-              <a:rPr lang="da-DK" dirty="0" smtClean="0"/>
+            <a:endParaRPr lang="en-US" dirty="0" smtClean="0"/>
+          </a:p>
+          <a:p>
+            <a:r>
+              <a:rPr lang="en-US" dirty="0" smtClean="0"/>
               <a:t>Limited Sample rates </a:t>
             </a:r>
           </a:p>
           <a:p>
             <a:r>
-              <a:rPr lang="da-DK" dirty="0" smtClean="0"/>
+              <a:rPr lang="en-US" dirty="0" smtClean="0"/>
               <a:t>Processing power</a:t>
             </a:r>
           </a:p>
           <a:p>
             <a:r>
-              <a:rPr lang="da-DK" dirty="0" smtClean="0"/>
-              <a:t>Environment Knowledge</a:t>
+              <a:rPr lang="en-US" dirty="0"/>
+              <a:t>Training </a:t>
+            </a:r>
+            <a:r>
+              <a:rPr lang="en-US" dirty="0" smtClean="0"/>
+              <a:t>Data / </a:t>
+            </a:r>
+            <a:r>
+              <a:rPr lang="en-US" dirty="0" smtClean="0"/>
+              <a:t>Environment </a:t>
+            </a:r>
+            <a:r>
+              <a:rPr lang="en-US" dirty="0" smtClean="0"/>
+              <a:t>Knowledge</a:t>
             </a:r>
           </a:p>
         </p:txBody>
@@ -15664,7 +17127,7 @@
 </p:sld>
 </file>
 
-<file path=ppt/slides/slide17.xml><?xml version="1.0" encoding="utf-8"?>
+<file path=ppt/slides/slide18.xml><?xml version="1.0" encoding="utf-8"?>
 <p:sld xmlns:a="http://schemas.openxmlformats.org/drawingml/2006/main" xmlns:r="http://schemas.openxmlformats.org/officeDocument/2006/relationships" xmlns:p="http://schemas.openxmlformats.org/presentationml/2006/main">
   <p:cSld>
     <p:spTree>
@@ -15747,6 +17210,39 @@
           </a:effectLst>
         </p:spPr>
       </p:pic>
+      <p:sp>
+        <p:nvSpPr>
+          <p:cNvPr id="5" name="TextBox 4"/>
+          <p:cNvSpPr txBox="1"/>
+          <p:nvPr/>
+        </p:nvSpPr>
+        <p:spPr>
+          <a:xfrm>
+            <a:off x="1367968" y="6611779"/>
+            <a:ext cx="1628972" cy="246221"/>
+          </a:xfrm>
+          <a:prstGeom prst="rect">
+            <a:avLst/>
+          </a:prstGeom>
+          <a:noFill/>
+        </p:spPr>
+        <p:txBody>
+          <a:bodyPr wrap="none" rtlCol="0">
+            <a:spAutoFit/>
+          </a:bodyPr>
+          <a:lstStyle/>
+          <a:p>
+            <a:r>
+              <a:rPr lang="en-US" sz="1000" dirty="0" smtClean="0"/>
+              <a:t>Source: </a:t>
+            </a:r>
+            <a:r>
+              <a:rPr lang="en-US" sz="1000" dirty="0"/>
+              <a:t>From Master’s Thesis</a:t>
+            </a:r>
+          </a:p>
+        </p:txBody>
+      </p:sp>
     </p:spTree>
     <p:extLst>
       <p:ext uri="{BB962C8B-B14F-4D97-AF65-F5344CB8AC3E}">
@@ -15767,7 +17263,7 @@
 </p:sld>
 </file>
 
-<file path=ppt/slides/slide18.xml><?xml version="1.0" encoding="utf-8"?>
+<file path=ppt/slides/slide19.xml><?xml version="1.0" encoding="utf-8"?>
 <p:sld xmlns:a="http://schemas.openxmlformats.org/drawingml/2006/main" xmlns:r="http://schemas.openxmlformats.org/officeDocument/2006/relationships" xmlns:p="http://schemas.openxmlformats.org/presentationml/2006/main">
   <p:cSld>
     <p:spTree>
@@ -15854,24 +17350,9 @@
             </a:r>
           </a:p>
           <a:p>
-            <a:r>
-              <a:rPr lang="da-DK" dirty="0"/>
-              <a:t>Type </a:t>
-            </a:r>
-            <a:r>
-              <a:rPr lang="da-DK" dirty="0" smtClean="0"/>
-              <a:t>III &amp; </a:t>
-            </a:r>
-            <a:r>
-              <a:rPr lang="da-DK" dirty="0"/>
-              <a:t>Type </a:t>
-            </a:r>
-            <a:r>
-              <a:rPr lang="da-DK" dirty="0" smtClean="0"/>
-              <a:t>IV</a:t>
-            </a:r>
-          </a:p>
-          <a:p>
+            <a:pPr marL="0" indent="0">
+              <a:buNone/>
+            </a:pPr>
             <a:endParaRPr lang="da-DK" dirty="0"/>
           </a:p>
           <a:p>
@@ -15980,6 +17461,39 @@
           </a:prstGeom>
         </p:spPr>
       </p:pic>
+      <p:sp>
+        <p:nvSpPr>
+          <p:cNvPr id="4" name="TextBox 3"/>
+          <p:cNvSpPr txBox="1"/>
+          <p:nvPr/>
+        </p:nvSpPr>
+        <p:spPr>
+          <a:xfrm>
+            <a:off x="1367968" y="6611779"/>
+            <a:ext cx="1628972" cy="246221"/>
+          </a:xfrm>
+          <a:prstGeom prst="rect">
+            <a:avLst/>
+          </a:prstGeom>
+          <a:noFill/>
+        </p:spPr>
+        <p:txBody>
+          <a:bodyPr wrap="none" rtlCol="0">
+            <a:spAutoFit/>
+          </a:bodyPr>
+          <a:lstStyle/>
+          <a:p>
+            <a:r>
+              <a:rPr lang="en-US" sz="1000" dirty="0" smtClean="0"/>
+              <a:t>Source: </a:t>
+            </a:r>
+            <a:r>
+              <a:rPr lang="en-US" sz="1000" dirty="0"/>
+              <a:t>From Master’s Thesis</a:t>
+            </a:r>
+          </a:p>
+        </p:txBody>
+      </p:sp>
     </p:spTree>
     <p:extLst>
       <p:ext uri="{BB962C8B-B14F-4D97-AF65-F5344CB8AC3E}">
@@ -16416,6 +17930,68 @@
           </a:p>
         </p:txBody>
       </p:sp>
+      <p:sp>
+        <p:nvSpPr>
+          <p:cNvPr id="7" name="TextBox 6"/>
+          <p:cNvSpPr txBox="1"/>
+          <p:nvPr/>
+        </p:nvSpPr>
+        <p:spPr>
+          <a:xfrm>
+            <a:off x="1446345" y="6611779"/>
+            <a:ext cx="9592691" cy="246221"/>
+          </a:xfrm>
+          <a:prstGeom prst="rect">
+            <a:avLst/>
+          </a:prstGeom>
+          <a:noFill/>
+        </p:spPr>
+        <p:txBody>
+          <a:bodyPr wrap="none" rtlCol="0">
+            <a:spAutoFit/>
+          </a:bodyPr>
+          <a:lstStyle/>
+          <a:p>
+            <a:r>
+              <a:rPr lang="da-DK" sz="1000" dirty="0" smtClean="0"/>
+              <a:t>Source: </a:t>
+            </a:r>
+            <a:r>
+              <a:rPr lang="da-DK" sz="1000" dirty="0" err="1" smtClean="0"/>
+              <a:t>Samplig</a:t>
+            </a:r>
+            <a:r>
+              <a:rPr lang="da-DK" sz="1000" dirty="0" smtClean="0"/>
+              <a:t> </a:t>
+            </a:r>
+            <a:r>
+              <a:rPr lang="da-DK" sz="1000" dirty="0" err="1" smtClean="0"/>
+              <a:t>headlines</a:t>
+            </a:r>
+            <a:r>
+              <a:rPr lang="da-DK" sz="1000" dirty="0"/>
+              <a:t> from  </a:t>
+            </a:r>
+            <a:r>
+              <a:rPr lang="da-DK" sz="1000" dirty="0">
+                <a:hlinkClick r:id="rId2"/>
+              </a:rPr>
+              <a:t>https://scholar.google.dk/scholar?start=10&amp;q=%</a:t>
+            </a:r>
+            <a:r>
+              <a:rPr lang="da-DK" sz="1000" dirty="0" smtClean="0">
+                <a:hlinkClick r:id="rId2"/>
+              </a:rPr>
+              <a:t>22non+intrusive+load+monitoring%22&amp;hl=en&amp;as_sdt=0,5&amp;as_ylo=1980&amp;as_yhi=2016&amp;as_vis=1</a:t>
+            </a:r>
+            <a:r>
+              <a:rPr lang="da-DK" sz="1000" dirty="0" smtClean="0"/>
+              <a:t> </a:t>
+            </a:r>
+            <a:endParaRPr lang="da-DK" sz="1000" dirty="0"/>
+          </a:p>
+        </p:txBody>
+      </p:sp>
     </p:spTree>
     <p:extLst>
       <p:ext uri="{BB962C8B-B14F-4D97-AF65-F5344CB8AC3E}">
@@ -16493,8 +18069,8 @@
         </p:nvSpPr>
         <p:spPr>
           <a:xfrm>
-            <a:off x="1141412" y="1863306"/>
-            <a:ext cx="9905999" cy="3927895"/>
+            <a:off x="1261728" y="1900989"/>
+            <a:ext cx="4212641" cy="1419726"/>
           </a:xfrm>
         </p:spPr>
         <p:txBody>
@@ -16503,40 +18079,629 @@
           </a:bodyPr>
           <a:lstStyle/>
           <a:p>
-            <a:pPr>
+            <a:pPr marL="0" indent="0">
               <a:lnSpc>
                 <a:spcPct val="100000"/>
               </a:lnSpc>
+              <a:buNone/>
             </a:pPr>
-            <a:r>
-              <a:rPr lang="da-DK" sz="2800" dirty="0" smtClean="0"/>
-              <a:t>Data collection &amp; processing </a:t>
-            </a:r>
-          </a:p>
-          <a:p>
-            <a:pPr>
+            <a:endParaRPr lang="en-US" sz="2800" dirty="0" smtClean="0"/>
+          </a:p>
+          <a:p>
+            <a:pPr marL="0" indent="0" algn="ctr">
               <a:lnSpc>
                 <a:spcPct val="100000"/>
               </a:lnSpc>
+              <a:buNone/>
             </a:pPr>
             <a:r>
-              <a:rPr lang="da-DK" sz="2800" dirty="0" smtClean="0"/>
-              <a:t>Algorithems</a:t>
-            </a:r>
-          </a:p>
-          <a:p>
-            <a:pPr>
+              <a:rPr lang="en-US" sz="2800" dirty="0" smtClean="0"/>
+              <a:t>Data collection &amp; processing </a:t>
+            </a:r>
+          </a:p>
+        </p:txBody>
+      </p:sp>
+      <p:sp>
+        <p:nvSpPr>
+          <p:cNvPr id="4" name="Content Placeholder 2"/>
+          <p:cNvSpPr txBox="1">
+            <a:spLocks/>
+          </p:cNvSpPr>
+          <p:nvPr/>
+        </p:nvSpPr>
+        <p:spPr>
+          <a:xfrm>
+            <a:off x="7756358" y="1900990"/>
+            <a:ext cx="2129589" cy="1419726"/>
+          </a:xfrm>
+          <a:prstGeom prst="rect">
+            <a:avLst/>
+          </a:prstGeom>
+        </p:spPr>
+        <p:txBody>
+          <a:bodyPr vert="horz" lIns="91440" tIns="45720" rIns="91440" bIns="45720" rtlCol="0">
+            <a:normAutofit/>
+          </a:bodyPr>
+          <a:lstStyle>
+            <a:lvl1pPr marL="228600" indent="-228600" algn="l" defTabSz="914400" rtl="0" eaLnBrk="1" latinLnBrk="0" hangingPunct="1">
+              <a:lnSpc>
+                <a:spcPct val="120000"/>
+              </a:lnSpc>
+              <a:spcBef>
+                <a:spcPts val="1000"/>
+              </a:spcBef>
+              <a:buSzPct val="125000"/>
+              <a:buFont typeface="Arial" panose="020B0604020202020204" pitchFamily="34" charset="0"/>
+              <a:buChar char="•"/>
+              <a:defRPr sz="2400" kern="1200">
+                <a:solidFill>
+                  <a:schemeClr val="tx1"/>
+                </a:solidFill>
+                <a:latin typeface="+mn-lt"/>
+                <a:ea typeface="+mn-ea"/>
+                <a:cs typeface="+mn-cs"/>
+              </a:defRPr>
+            </a:lvl1pPr>
+            <a:lvl2pPr marL="685800" indent="-228600" algn="l" defTabSz="914400" rtl="0" eaLnBrk="1" latinLnBrk="0" hangingPunct="1">
+              <a:lnSpc>
+                <a:spcPct val="120000"/>
+              </a:lnSpc>
+              <a:spcBef>
+                <a:spcPts val="500"/>
+              </a:spcBef>
+              <a:buSzPct val="125000"/>
+              <a:buFont typeface="Arial" panose="020B0604020202020204" pitchFamily="34" charset="0"/>
+              <a:buChar char="•"/>
+              <a:defRPr sz="2000" kern="1200">
+                <a:solidFill>
+                  <a:schemeClr val="tx1"/>
+                </a:solidFill>
+                <a:latin typeface="+mn-lt"/>
+                <a:ea typeface="+mn-ea"/>
+                <a:cs typeface="+mn-cs"/>
+              </a:defRPr>
+            </a:lvl2pPr>
+            <a:lvl3pPr marL="1143000" indent="-228600" algn="l" defTabSz="914400" rtl="0" eaLnBrk="1" latinLnBrk="0" hangingPunct="1">
+              <a:lnSpc>
+                <a:spcPct val="120000"/>
+              </a:lnSpc>
+              <a:spcBef>
+                <a:spcPts val="500"/>
+              </a:spcBef>
+              <a:buSzPct val="125000"/>
+              <a:buFont typeface="Arial" panose="020B0604020202020204" pitchFamily="34" charset="0"/>
+              <a:buChar char="•"/>
+              <a:defRPr sz="1800" kern="1200">
+                <a:solidFill>
+                  <a:schemeClr val="tx1"/>
+                </a:solidFill>
+                <a:latin typeface="+mn-lt"/>
+                <a:ea typeface="+mn-ea"/>
+                <a:cs typeface="+mn-cs"/>
+              </a:defRPr>
+            </a:lvl3pPr>
+            <a:lvl4pPr marL="1600200" indent="-228600" algn="l" defTabSz="914400" rtl="0" eaLnBrk="1" latinLnBrk="0" hangingPunct="1">
+              <a:lnSpc>
+                <a:spcPct val="120000"/>
+              </a:lnSpc>
+              <a:spcBef>
+                <a:spcPts val="500"/>
+              </a:spcBef>
+              <a:buSzPct val="125000"/>
+              <a:buFont typeface="Arial" panose="020B0604020202020204" pitchFamily="34" charset="0"/>
+              <a:buChar char="•"/>
+              <a:defRPr sz="1600" kern="1200">
+                <a:solidFill>
+                  <a:schemeClr val="tx1"/>
+                </a:solidFill>
+                <a:latin typeface="+mn-lt"/>
+                <a:ea typeface="+mn-ea"/>
+                <a:cs typeface="+mn-cs"/>
+              </a:defRPr>
+            </a:lvl4pPr>
+            <a:lvl5pPr marL="2057400" indent="-228600" algn="l" defTabSz="914400" rtl="0" eaLnBrk="1" latinLnBrk="0" hangingPunct="1">
+              <a:lnSpc>
+                <a:spcPct val="120000"/>
+              </a:lnSpc>
+              <a:spcBef>
+                <a:spcPts val="500"/>
+              </a:spcBef>
+              <a:buSzPct val="125000"/>
+              <a:buFont typeface="Arial" panose="020B0604020202020204" pitchFamily="34" charset="0"/>
+              <a:buChar char="•"/>
+              <a:defRPr sz="1600" kern="1200">
+                <a:solidFill>
+                  <a:schemeClr val="tx1"/>
+                </a:solidFill>
+                <a:latin typeface="+mn-lt"/>
+                <a:ea typeface="+mn-ea"/>
+                <a:cs typeface="+mn-cs"/>
+              </a:defRPr>
+            </a:lvl5pPr>
+            <a:lvl6pPr marL="2514600" indent="-228600" algn="l" defTabSz="914400" rtl="0" eaLnBrk="1" latinLnBrk="0" hangingPunct="1">
+              <a:lnSpc>
+                <a:spcPct val="120000"/>
+              </a:lnSpc>
+              <a:spcBef>
+                <a:spcPts val="500"/>
+              </a:spcBef>
+              <a:buSzPct val="125000"/>
+              <a:buFont typeface="Arial" panose="020B0604020202020204" pitchFamily="34" charset="0"/>
+              <a:buChar char="•"/>
+              <a:defRPr sz="1400" kern="1200">
+                <a:solidFill>
+                  <a:schemeClr val="tx1"/>
+                </a:solidFill>
+                <a:latin typeface="+mn-lt"/>
+                <a:ea typeface="+mn-ea"/>
+                <a:cs typeface="+mn-cs"/>
+              </a:defRPr>
+            </a:lvl6pPr>
+            <a:lvl7pPr marL="2971800" indent="-228600" algn="l" defTabSz="914400" rtl="0" eaLnBrk="1" latinLnBrk="0" hangingPunct="1">
+              <a:lnSpc>
+                <a:spcPct val="120000"/>
+              </a:lnSpc>
+              <a:spcBef>
+                <a:spcPts val="500"/>
+              </a:spcBef>
+              <a:buSzPct val="125000"/>
+              <a:buFont typeface="Arial" panose="020B0604020202020204" pitchFamily="34" charset="0"/>
+              <a:buChar char="•"/>
+              <a:defRPr sz="1400" kern="1200">
+                <a:solidFill>
+                  <a:schemeClr val="tx1"/>
+                </a:solidFill>
+                <a:latin typeface="+mn-lt"/>
+                <a:ea typeface="+mn-ea"/>
+                <a:cs typeface="+mn-cs"/>
+              </a:defRPr>
+            </a:lvl7pPr>
+            <a:lvl8pPr marL="3429000" indent="-228600" algn="l" defTabSz="914400" rtl="0" eaLnBrk="1" latinLnBrk="0" hangingPunct="1">
+              <a:lnSpc>
+                <a:spcPct val="120000"/>
+              </a:lnSpc>
+              <a:spcBef>
+                <a:spcPts val="500"/>
+              </a:spcBef>
+              <a:buSzPct val="125000"/>
+              <a:buFont typeface="Arial" panose="020B0604020202020204" pitchFamily="34" charset="0"/>
+              <a:buChar char="•"/>
+              <a:defRPr sz="1400" kern="1200">
+                <a:solidFill>
+                  <a:schemeClr val="tx1"/>
+                </a:solidFill>
+                <a:latin typeface="+mn-lt"/>
+                <a:ea typeface="+mn-ea"/>
+                <a:cs typeface="+mn-cs"/>
+              </a:defRPr>
+            </a:lvl8pPr>
+            <a:lvl9pPr marL="3886200" indent="-228600" algn="l" defTabSz="914400" rtl="0" eaLnBrk="1" latinLnBrk="0" hangingPunct="1">
+              <a:lnSpc>
+                <a:spcPct val="120000"/>
+              </a:lnSpc>
+              <a:spcBef>
+                <a:spcPts val="500"/>
+              </a:spcBef>
+              <a:buSzPct val="125000"/>
+              <a:buFont typeface="Arial" panose="020B0604020202020204" pitchFamily="34" charset="0"/>
+              <a:buChar char="•"/>
+              <a:defRPr sz="1400" kern="1200">
+                <a:solidFill>
+                  <a:schemeClr val="tx1"/>
+                </a:solidFill>
+                <a:latin typeface="+mn-lt"/>
+                <a:ea typeface="+mn-ea"/>
+                <a:cs typeface="+mn-cs"/>
+              </a:defRPr>
+            </a:lvl9pPr>
+          </a:lstStyle>
+          <a:p>
+            <a:pPr marL="0" indent="0">
               <a:lnSpc>
                 <a:spcPct val="100000"/>
               </a:lnSpc>
+              <a:buFont typeface="Arial" panose="020B0604020202020204" pitchFamily="34" charset="0"/>
+              <a:buNone/>
             </a:pPr>
-            <a:r>
-              <a:rPr lang="da-DK" sz="2800" dirty="0" smtClean="0"/>
+            <a:endParaRPr lang="da-DK" sz="2800" dirty="0" smtClean="0"/>
+          </a:p>
+          <a:p>
+            <a:pPr marL="0" indent="0" algn="ctr">
+              <a:lnSpc>
+                <a:spcPct val="100000"/>
+              </a:lnSpc>
+              <a:buNone/>
+            </a:pPr>
+            <a:r>
+              <a:rPr lang="da-DK" sz="2800" dirty="0"/>
               <a:t>Usage</a:t>
             </a:r>
+            <a:endParaRPr lang="da-DK" sz="2800" dirty="0" smtClean="0"/>
+          </a:p>
+          <a:p>
+            <a:pPr marL="0" indent="0">
+              <a:lnSpc>
+                <a:spcPct val="100000"/>
+              </a:lnSpc>
+              <a:buNone/>
+            </a:pPr>
+            <a:endParaRPr lang="da-DK" sz="2800" dirty="0" smtClean="0"/>
           </a:p>
         </p:txBody>
       </p:sp>
+      <p:sp>
+        <p:nvSpPr>
+          <p:cNvPr id="5" name="Content Placeholder 2"/>
+          <p:cNvSpPr txBox="1">
+            <a:spLocks/>
+          </p:cNvSpPr>
+          <p:nvPr/>
+        </p:nvSpPr>
+        <p:spPr>
+          <a:xfrm>
+            <a:off x="5626769" y="1900990"/>
+            <a:ext cx="2129589" cy="1419726"/>
+          </a:xfrm>
+          <a:prstGeom prst="rect">
+            <a:avLst/>
+          </a:prstGeom>
+        </p:spPr>
+        <p:txBody>
+          <a:bodyPr vert="horz" lIns="91440" tIns="45720" rIns="91440" bIns="45720" rtlCol="0">
+            <a:normAutofit/>
+          </a:bodyPr>
+          <a:lstStyle>
+            <a:lvl1pPr marL="228600" indent="-228600" algn="l" defTabSz="914400" rtl="0" eaLnBrk="1" latinLnBrk="0" hangingPunct="1">
+              <a:lnSpc>
+                <a:spcPct val="120000"/>
+              </a:lnSpc>
+              <a:spcBef>
+                <a:spcPts val="1000"/>
+              </a:spcBef>
+              <a:buSzPct val="125000"/>
+              <a:buFont typeface="Arial" panose="020B0604020202020204" pitchFamily="34" charset="0"/>
+              <a:buChar char="•"/>
+              <a:defRPr sz="2400" kern="1200">
+                <a:solidFill>
+                  <a:schemeClr val="tx1"/>
+                </a:solidFill>
+                <a:latin typeface="+mn-lt"/>
+                <a:ea typeface="+mn-ea"/>
+                <a:cs typeface="+mn-cs"/>
+              </a:defRPr>
+            </a:lvl1pPr>
+            <a:lvl2pPr marL="685800" indent="-228600" algn="l" defTabSz="914400" rtl="0" eaLnBrk="1" latinLnBrk="0" hangingPunct="1">
+              <a:lnSpc>
+                <a:spcPct val="120000"/>
+              </a:lnSpc>
+              <a:spcBef>
+                <a:spcPts val="500"/>
+              </a:spcBef>
+              <a:buSzPct val="125000"/>
+              <a:buFont typeface="Arial" panose="020B0604020202020204" pitchFamily="34" charset="0"/>
+              <a:buChar char="•"/>
+              <a:defRPr sz="2000" kern="1200">
+                <a:solidFill>
+                  <a:schemeClr val="tx1"/>
+                </a:solidFill>
+                <a:latin typeface="+mn-lt"/>
+                <a:ea typeface="+mn-ea"/>
+                <a:cs typeface="+mn-cs"/>
+              </a:defRPr>
+            </a:lvl2pPr>
+            <a:lvl3pPr marL="1143000" indent="-228600" algn="l" defTabSz="914400" rtl="0" eaLnBrk="1" latinLnBrk="0" hangingPunct="1">
+              <a:lnSpc>
+                <a:spcPct val="120000"/>
+              </a:lnSpc>
+              <a:spcBef>
+                <a:spcPts val="500"/>
+              </a:spcBef>
+              <a:buSzPct val="125000"/>
+              <a:buFont typeface="Arial" panose="020B0604020202020204" pitchFamily="34" charset="0"/>
+              <a:buChar char="•"/>
+              <a:defRPr sz="1800" kern="1200">
+                <a:solidFill>
+                  <a:schemeClr val="tx1"/>
+                </a:solidFill>
+                <a:latin typeface="+mn-lt"/>
+                <a:ea typeface="+mn-ea"/>
+                <a:cs typeface="+mn-cs"/>
+              </a:defRPr>
+            </a:lvl3pPr>
+            <a:lvl4pPr marL="1600200" indent="-228600" algn="l" defTabSz="914400" rtl="0" eaLnBrk="1" latinLnBrk="0" hangingPunct="1">
+              <a:lnSpc>
+                <a:spcPct val="120000"/>
+              </a:lnSpc>
+              <a:spcBef>
+                <a:spcPts val="500"/>
+              </a:spcBef>
+              <a:buSzPct val="125000"/>
+              <a:buFont typeface="Arial" panose="020B0604020202020204" pitchFamily="34" charset="0"/>
+              <a:buChar char="•"/>
+              <a:defRPr sz="1600" kern="1200">
+                <a:solidFill>
+                  <a:schemeClr val="tx1"/>
+                </a:solidFill>
+                <a:latin typeface="+mn-lt"/>
+                <a:ea typeface="+mn-ea"/>
+                <a:cs typeface="+mn-cs"/>
+              </a:defRPr>
+            </a:lvl4pPr>
+            <a:lvl5pPr marL="2057400" indent="-228600" algn="l" defTabSz="914400" rtl="0" eaLnBrk="1" latinLnBrk="0" hangingPunct="1">
+              <a:lnSpc>
+                <a:spcPct val="120000"/>
+              </a:lnSpc>
+              <a:spcBef>
+                <a:spcPts val="500"/>
+              </a:spcBef>
+              <a:buSzPct val="125000"/>
+              <a:buFont typeface="Arial" panose="020B0604020202020204" pitchFamily="34" charset="0"/>
+              <a:buChar char="•"/>
+              <a:defRPr sz="1600" kern="1200">
+                <a:solidFill>
+                  <a:schemeClr val="tx1"/>
+                </a:solidFill>
+                <a:latin typeface="+mn-lt"/>
+                <a:ea typeface="+mn-ea"/>
+                <a:cs typeface="+mn-cs"/>
+              </a:defRPr>
+            </a:lvl5pPr>
+            <a:lvl6pPr marL="2514600" indent="-228600" algn="l" defTabSz="914400" rtl="0" eaLnBrk="1" latinLnBrk="0" hangingPunct="1">
+              <a:lnSpc>
+                <a:spcPct val="120000"/>
+              </a:lnSpc>
+              <a:spcBef>
+                <a:spcPts val="500"/>
+              </a:spcBef>
+              <a:buSzPct val="125000"/>
+              <a:buFont typeface="Arial" panose="020B0604020202020204" pitchFamily="34" charset="0"/>
+              <a:buChar char="•"/>
+              <a:defRPr sz="1400" kern="1200">
+                <a:solidFill>
+                  <a:schemeClr val="tx1"/>
+                </a:solidFill>
+                <a:latin typeface="+mn-lt"/>
+                <a:ea typeface="+mn-ea"/>
+                <a:cs typeface="+mn-cs"/>
+              </a:defRPr>
+            </a:lvl6pPr>
+            <a:lvl7pPr marL="2971800" indent="-228600" algn="l" defTabSz="914400" rtl="0" eaLnBrk="1" latinLnBrk="0" hangingPunct="1">
+              <a:lnSpc>
+                <a:spcPct val="120000"/>
+              </a:lnSpc>
+              <a:spcBef>
+                <a:spcPts val="500"/>
+              </a:spcBef>
+              <a:buSzPct val="125000"/>
+              <a:buFont typeface="Arial" panose="020B0604020202020204" pitchFamily="34" charset="0"/>
+              <a:buChar char="•"/>
+              <a:defRPr sz="1400" kern="1200">
+                <a:solidFill>
+                  <a:schemeClr val="tx1"/>
+                </a:solidFill>
+                <a:latin typeface="+mn-lt"/>
+                <a:ea typeface="+mn-ea"/>
+                <a:cs typeface="+mn-cs"/>
+              </a:defRPr>
+            </a:lvl7pPr>
+            <a:lvl8pPr marL="3429000" indent="-228600" algn="l" defTabSz="914400" rtl="0" eaLnBrk="1" latinLnBrk="0" hangingPunct="1">
+              <a:lnSpc>
+                <a:spcPct val="120000"/>
+              </a:lnSpc>
+              <a:spcBef>
+                <a:spcPts val="500"/>
+              </a:spcBef>
+              <a:buSzPct val="125000"/>
+              <a:buFont typeface="Arial" panose="020B0604020202020204" pitchFamily="34" charset="0"/>
+              <a:buChar char="•"/>
+              <a:defRPr sz="1400" kern="1200">
+                <a:solidFill>
+                  <a:schemeClr val="tx1"/>
+                </a:solidFill>
+                <a:latin typeface="+mn-lt"/>
+                <a:ea typeface="+mn-ea"/>
+                <a:cs typeface="+mn-cs"/>
+              </a:defRPr>
+            </a:lvl8pPr>
+            <a:lvl9pPr marL="3886200" indent="-228600" algn="l" defTabSz="914400" rtl="0" eaLnBrk="1" latinLnBrk="0" hangingPunct="1">
+              <a:lnSpc>
+                <a:spcPct val="120000"/>
+              </a:lnSpc>
+              <a:spcBef>
+                <a:spcPts val="500"/>
+              </a:spcBef>
+              <a:buSzPct val="125000"/>
+              <a:buFont typeface="Arial" panose="020B0604020202020204" pitchFamily="34" charset="0"/>
+              <a:buChar char="•"/>
+              <a:defRPr sz="1400" kern="1200">
+                <a:solidFill>
+                  <a:schemeClr val="tx1"/>
+                </a:solidFill>
+                <a:latin typeface="+mn-lt"/>
+                <a:ea typeface="+mn-ea"/>
+                <a:cs typeface="+mn-cs"/>
+              </a:defRPr>
+            </a:lvl9pPr>
+          </a:lstStyle>
+          <a:p>
+            <a:pPr marL="0" indent="0">
+              <a:lnSpc>
+                <a:spcPct val="100000"/>
+              </a:lnSpc>
+              <a:buFont typeface="Arial" panose="020B0604020202020204" pitchFamily="34" charset="0"/>
+              <a:buNone/>
+            </a:pPr>
+            <a:endParaRPr lang="da-DK" sz="2800" dirty="0" smtClean="0"/>
+          </a:p>
+          <a:p>
+            <a:pPr marL="0" indent="0" algn="ctr">
+              <a:lnSpc>
+                <a:spcPct val="100000"/>
+              </a:lnSpc>
+              <a:buNone/>
+            </a:pPr>
+            <a:r>
+              <a:rPr lang="da-DK" sz="2800" dirty="0" smtClean="0"/>
+              <a:t>Algoritmes</a:t>
+            </a:r>
+          </a:p>
+          <a:p>
+            <a:pPr marL="0" indent="0">
+              <a:lnSpc>
+                <a:spcPct val="100000"/>
+              </a:lnSpc>
+              <a:buNone/>
+            </a:pPr>
+            <a:endParaRPr lang="da-DK" sz="2800" dirty="0" smtClean="0"/>
+          </a:p>
+        </p:txBody>
+      </p:sp>
+      <p:cxnSp>
+        <p:nvCxnSpPr>
+          <p:cNvPr id="9" name="Straight Connector 8"/>
+          <p:cNvCxnSpPr/>
+          <p:nvPr/>
+        </p:nvCxnSpPr>
+        <p:spPr>
+          <a:xfrm>
+            <a:off x="7756358" y="2334126"/>
+            <a:ext cx="0" cy="986589"/>
+          </a:xfrm>
+          <a:prstGeom prst="line">
+            <a:avLst/>
+          </a:prstGeom>
+          <a:ln w="28575"/>
+        </p:spPr>
+        <p:style>
+          <a:lnRef idx="1">
+            <a:schemeClr val="accent1"/>
+          </a:lnRef>
+          <a:fillRef idx="0">
+            <a:schemeClr val="accent1"/>
+          </a:fillRef>
+          <a:effectRef idx="0">
+            <a:schemeClr val="accent1"/>
+          </a:effectRef>
+          <a:fontRef idx="minor">
+            <a:schemeClr val="tx1"/>
+          </a:fontRef>
+        </p:style>
+      </p:cxnSp>
+      <p:cxnSp>
+        <p:nvCxnSpPr>
+          <p:cNvPr id="14" name="Straight Connector 13"/>
+          <p:cNvCxnSpPr/>
+          <p:nvPr/>
+        </p:nvCxnSpPr>
+        <p:spPr>
+          <a:xfrm>
+            <a:off x="5646817" y="2306053"/>
+            <a:ext cx="0" cy="986589"/>
+          </a:xfrm>
+          <a:prstGeom prst="line">
+            <a:avLst/>
+          </a:prstGeom>
+          <a:ln w="28575"/>
+        </p:spPr>
+        <p:style>
+          <a:lnRef idx="1">
+            <a:schemeClr val="accent1"/>
+          </a:lnRef>
+          <a:fillRef idx="0">
+            <a:schemeClr val="accent1"/>
+          </a:fillRef>
+          <a:effectRef idx="0">
+            <a:schemeClr val="accent1"/>
+          </a:effectRef>
+          <a:fontRef idx="minor">
+            <a:schemeClr val="tx1"/>
+          </a:fontRef>
+        </p:style>
+      </p:cxnSp>
+      <p:pic>
+        <p:nvPicPr>
+          <p:cNvPr id="15" name="Picture 14"/>
+          <p:cNvPicPr>
+            <a:picLocks noChangeAspect="1"/>
+          </p:cNvPicPr>
+          <p:nvPr/>
+        </p:nvPicPr>
+        <p:blipFill>
+          <a:blip r:embed="rId2">
+            <a:extLst>
+              <a:ext uri="{28A0092B-C50C-407E-A947-70E740481C1C}">
+                <a14:useLocalDpi xmlns:a14="http://schemas.microsoft.com/office/drawing/2010/main" val="0"/>
+              </a:ext>
+            </a:extLst>
+          </a:blip>
+          <a:stretch>
+            <a:fillRect/>
+          </a:stretch>
+        </p:blipFill>
+        <p:spPr>
+          <a:xfrm>
+            <a:off x="2969133" y="3286085"/>
+            <a:ext cx="821892" cy="821892"/>
+          </a:xfrm>
+          <a:prstGeom prst="rect">
+            <a:avLst/>
+          </a:prstGeom>
+        </p:spPr>
+      </p:pic>
+      <p:pic>
+        <p:nvPicPr>
+          <p:cNvPr id="17" name="Picture 16"/>
+          <p:cNvPicPr>
+            <a:picLocks noChangeAspect="1"/>
+          </p:cNvPicPr>
+          <p:nvPr/>
+        </p:nvPicPr>
+        <p:blipFill>
+          <a:blip r:embed="rId3">
+            <a:extLst>
+              <a:ext uri="{28A0092B-C50C-407E-A947-70E740481C1C}">
+                <a14:useLocalDpi xmlns:a14="http://schemas.microsoft.com/office/drawing/2010/main" val="0"/>
+              </a:ext>
+            </a:extLst>
+          </a:blip>
+          <a:stretch>
+            <a:fillRect/>
+          </a:stretch>
+        </p:blipFill>
+        <p:spPr>
+          <a:xfrm>
+            <a:off x="8398183" y="3262705"/>
+            <a:ext cx="870000" cy="870000"/>
+          </a:xfrm>
+          <a:prstGeom prst="rect">
+            <a:avLst/>
+          </a:prstGeom>
+        </p:spPr>
+      </p:pic>
+      <p:pic>
+        <p:nvPicPr>
+          <p:cNvPr id="18" name="Picture 17"/>
+          <p:cNvPicPr>
+            <a:picLocks noChangeAspect="1"/>
+          </p:cNvPicPr>
+          <p:nvPr/>
+        </p:nvPicPr>
+        <p:blipFill>
+          <a:blip r:embed="rId4"/>
+          <a:stretch>
+            <a:fillRect/>
+          </a:stretch>
+        </p:blipFill>
+        <p:spPr>
+          <a:xfrm>
+            <a:off x="6131081" y="3216728"/>
+            <a:ext cx="960606" cy="960606"/>
+          </a:xfrm>
+          <a:prstGeom prst="rect">
+            <a:avLst/>
+          </a:prstGeom>
+        </p:spPr>
+      </p:pic>
     </p:spTree>
     <p:extLst>
       <p:ext uri="{BB962C8B-B14F-4D97-AF65-F5344CB8AC3E}">
@@ -16574,257 +18739,6 @@
           <a:chExt cx="0" cy="0"/>
         </a:xfrm>
       </p:grpSpPr>
-      <p:grpSp>
-        <p:nvGrpSpPr>
-          <p:cNvPr id="45" name="Group 44"/>
-          <p:cNvGrpSpPr/>
-          <p:nvPr/>
-        </p:nvGrpSpPr>
-        <p:grpSpPr>
-          <a:xfrm>
-            <a:off x="2702100" y="2552126"/>
-            <a:ext cx="5121877" cy="4254609"/>
-            <a:chOff x="2702100" y="2552126"/>
-            <a:chExt cx="5121877" cy="4254609"/>
-          </a:xfrm>
-        </p:grpSpPr>
-        <p:cxnSp>
-          <p:nvCxnSpPr>
-            <p:cNvPr id="42" name="Straight Connector 41"/>
-            <p:cNvCxnSpPr/>
-            <p:nvPr/>
-          </p:nvCxnSpPr>
-          <p:spPr>
-            <a:xfrm>
-              <a:off x="3125337" y="2552126"/>
-              <a:ext cx="723332" cy="764279"/>
-            </a:xfrm>
-            <a:prstGeom prst="line">
-              <a:avLst/>
-            </a:prstGeom>
-            <a:ln w="38100">
-              <a:solidFill>
-                <a:schemeClr val="tx1"/>
-              </a:solidFill>
-            </a:ln>
-          </p:spPr>
-          <p:style>
-            <a:lnRef idx="1">
-              <a:schemeClr val="dk1"/>
-            </a:lnRef>
-            <a:fillRef idx="0">
-              <a:schemeClr val="dk1"/>
-            </a:fillRef>
-            <a:effectRef idx="0">
-              <a:schemeClr val="dk1"/>
-            </a:effectRef>
-            <a:fontRef idx="minor">
-              <a:schemeClr val="tx1"/>
-            </a:fontRef>
-          </p:style>
-        </p:cxnSp>
-        <p:pic>
-          <p:nvPicPr>
-            <p:cNvPr id="40" name="Picture 39"/>
-            <p:cNvPicPr>
-              <a:picLocks noChangeAspect="1"/>
-            </p:cNvPicPr>
-            <p:nvPr/>
-          </p:nvPicPr>
-          <p:blipFill>
-            <a:blip r:embed="rId2">
-              <a:extLst>
-                <a:ext uri="{28A0092B-C50C-407E-A947-70E740481C1C}">
-                  <a14:useLocalDpi xmlns:a14="http://schemas.microsoft.com/office/drawing/2010/main" val="0"/>
-                </a:ext>
-              </a:extLst>
-            </a:blip>
-            <a:stretch>
-              <a:fillRect/>
-            </a:stretch>
-          </p:blipFill>
-          <p:spPr>
-            <a:xfrm>
-              <a:off x="2702100" y="3205508"/>
-              <a:ext cx="5121877" cy="3601227"/>
-            </a:xfrm>
-            <a:prstGeom prst="roundRect">
-              <a:avLst>
-                <a:gd name="adj" fmla="val 8594"/>
-              </a:avLst>
-            </a:prstGeom>
-            <a:solidFill>
-              <a:srgbClr val="FFFFFF">
-                <a:shade val="85000"/>
-              </a:srgbClr>
-            </a:solidFill>
-            <a:ln>
-              <a:noFill/>
-            </a:ln>
-            <a:effectLst>
-              <a:reflection blurRad="12700" stA="38000" endPos="28000" dist="5000" dir="5400000" sy="-100000" algn="bl" rotWithShape="0"/>
-            </a:effectLst>
-          </p:spPr>
-        </p:pic>
-      </p:grpSp>
-      <p:grpSp>
-        <p:nvGrpSpPr>
-          <p:cNvPr id="51" name="Group 50"/>
-          <p:cNvGrpSpPr/>
-          <p:nvPr/>
-        </p:nvGrpSpPr>
-        <p:grpSpPr>
-          <a:xfrm>
-            <a:off x="2702100" y="2889906"/>
-            <a:ext cx="5121877" cy="3916829"/>
-            <a:chOff x="2702100" y="2889906"/>
-            <a:chExt cx="5121877" cy="3916829"/>
-          </a:xfrm>
-        </p:grpSpPr>
-        <p:cxnSp>
-          <p:nvCxnSpPr>
-            <p:cNvPr id="48" name="Straight Connector 47"/>
-            <p:cNvCxnSpPr/>
-            <p:nvPr/>
-          </p:nvCxnSpPr>
-          <p:spPr>
-            <a:xfrm flipV="1">
-              <a:off x="6016525" y="2889906"/>
-              <a:ext cx="672663" cy="426499"/>
-            </a:xfrm>
-            <a:prstGeom prst="line">
-              <a:avLst/>
-            </a:prstGeom>
-            <a:ln w="38100">
-              <a:solidFill>
-                <a:schemeClr val="tx1"/>
-              </a:solidFill>
-            </a:ln>
-          </p:spPr>
-          <p:style>
-            <a:lnRef idx="1">
-              <a:schemeClr val="accent1"/>
-            </a:lnRef>
-            <a:fillRef idx="0">
-              <a:schemeClr val="accent1"/>
-            </a:fillRef>
-            <a:effectRef idx="0">
-              <a:schemeClr val="accent1"/>
-            </a:effectRef>
-            <a:fontRef idx="minor">
-              <a:schemeClr val="tx1"/>
-            </a:fontRef>
-          </p:style>
-        </p:cxnSp>
-        <p:sp>
-          <p:nvSpPr>
-            <p:cNvPr id="46" name="Rounded Rectangle 45"/>
-            <p:cNvSpPr/>
-            <p:nvPr/>
-          </p:nvSpPr>
-          <p:spPr>
-            <a:xfrm>
-              <a:off x="2702100" y="3205507"/>
-              <a:ext cx="5121877" cy="3601228"/>
-            </a:xfrm>
-            <a:prstGeom prst="roundRect">
-              <a:avLst/>
-            </a:prstGeom>
-            <a:ln>
-              <a:solidFill>
-                <a:schemeClr val="tx1"/>
-              </a:solidFill>
-            </a:ln>
-          </p:spPr>
-          <p:style>
-            <a:lnRef idx="2">
-              <a:schemeClr val="dk1"/>
-            </a:lnRef>
-            <a:fillRef idx="1">
-              <a:schemeClr val="lt1"/>
-            </a:fillRef>
-            <a:effectRef idx="0">
-              <a:schemeClr val="dk1"/>
-            </a:effectRef>
-            <a:fontRef idx="minor">
-              <a:schemeClr val="dk1"/>
-            </a:fontRef>
-          </p:style>
-          <p:txBody>
-            <a:bodyPr rtlCol="0" anchor="ctr"/>
-            <a:lstStyle/>
-            <a:p>
-              <a:r>
-                <a:rPr lang="da-DK" dirty="0" smtClean="0"/>
-                <a:t>Methods</a:t>
-              </a:r>
-            </a:p>
-            <a:p>
-              <a:pPr marL="285750" indent="-285750">
-                <a:buFont typeface="Arial" panose="020B0604020202020204" pitchFamily="34" charset="0"/>
-                <a:buChar char="•"/>
-              </a:pPr>
-              <a:r>
-                <a:rPr lang="da-DK" dirty="0" smtClean="0"/>
-                <a:t>Optimzation </a:t>
-              </a:r>
-            </a:p>
-            <a:p>
-              <a:pPr marL="285750" indent="-285750">
-                <a:buFont typeface="Arial" panose="020B0604020202020204" pitchFamily="34" charset="0"/>
-                <a:buChar char="•"/>
-              </a:pPr>
-              <a:r>
-                <a:rPr lang="da-DK" dirty="0" smtClean="0"/>
-                <a:t>Clustering </a:t>
-              </a:r>
-              <a:endParaRPr lang="da-DK" dirty="0"/>
-            </a:p>
-            <a:p>
-              <a:pPr marL="285750" indent="-285750">
-                <a:buFont typeface="Arial" panose="020B0604020202020204" pitchFamily="34" charset="0"/>
-                <a:buChar char="•"/>
-              </a:pPr>
-              <a:r>
-                <a:rPr lang="da-DK" dirty="0" smtClean="0"/>
-                <a:t>HMM </a:t>
-              </a:r>
-            </a:p>
-            <a:p>
-              <a:pPr marL="285750" indent="-285750">
-                <a:buFont typeface="Arial" panose="020B0604020202020204" pitchFamily="34" charset="0"/>
-                <a:buChar char="•"/>
-              </a:pPr>
-              <a:r>
-                <a:rPr lang="da-DK" dirty="0" smtClean="0"/>
-                <a:t>SVM </a:t>
-              </a:r>
-            </a:p>
-            <a:p>
-              <a:pPr marL="285750" indent="-285750">
-                <a:buFont typeface="Arial" panose="020B0604020202020204" pitchFamily="34" charset="0"/>
-                <a:buChar char="•"/>
-              </a:pPr>
-              <a:r>
-                <a:rPr lang="da-DK" dirty="0" smtClean="0"/>
-                <a:t>ANN</a:t>
-              </a:r>
-              <a:endParaRPr lang="da-DK" dirty="0"/>
-            </a:p>
-            <a:p>
-              <a:pPr marL="285750" indent="-285750">
-                <a:buFont typeface="Arial" panose="020B0604020202020204" pitchFamily="34" charset="0"/>
-                <a:buChar char="•"/>
-              </a:pPr>
-              <a:r>
-                <a:rPr lang="da-DK" dirty="0" smtClean="0"/>
-                <a:t>DANN</a:t>
-              </a:r>
-              <a:endParaRPr lang="da-DK" dirty="0"/>
-            </a:p>
-          </p:txBody>
-        </p:sp>
-      </p:grpSp>
       <p:sp>
         <p:nvSpPr>
           <p:cNvPr id="2" name="Title 1"/>
@@ -16838,7 +18752,7 @@
         <p:spPr>
           <a:xfrm>
             <a:off x="1141413" y="618518"/>
-            <a:ext cx="9905998" cy="684843"/>
+            <a:ext cx="9905998" cy="953107"/>
           </a:xfrm>
         </p:spPr>
         <p:txBody>
@@ -16847,602 +18761,75 @@
           <a:p>
             <a:r>
               <a:rPr lang="da-DK" dirty="0" smtClean="0"/>
-              <a:t>The process </a:t>
+              <a:t>The SmartHG Dataset</a:t>
             </a:r>
             <a:endParaRPr lang="da-DK" dirty="0"/>
           </a:p>
         </p:txBody>
       </p:sp>
+      <p:pic>
+        <p:nvPicPr>
+          <p:cNvPr id="7" name="Content Placeholder 6"/>
+          <p:cNvPicPr>
+            <a:picLocks noGrp="1" noChangeAspect="1"/>
+          </p:cNvPicPr>
+          <p:nvPr>
+            <p:ph idx="1"/>
+          </p:nvPr>
+        </p:nvPicPr>
+        <p:blipFill>
+          <a:blip r:embed="rId2"/>
+          <a:stretch>
+            <a:fillRect/>
+          </a:stretch>
+        </p:blipFill>
+        <p:spPr>
+          <a:xfrm>
+            <a:off x="1503948" y="2313477"/>
+            <a:ext cx="8525904" cy="3085694"/>
+          </a:xfrm>
+          <a:prstGeom prst="rect">
+            <a:avLst/>
+          </a:prstGeom>
+        </p:spPr>
+      </p:pic>
       <p:sp>
         <p:nvSpPr>
-          <p:cNvPr id="7" name="Rounded Rectangle 6"/>
-          <p:cNvSpPr/>
+          <p:cNvPr id="4" name="TextBox 3"/>
+          <p:cNvSpPr txBox="1"/>
           <p:nvPr/>
         </p:nvSpPr>
         <p:spPr>
           <a:xfrm>
-            <a:off x="2199115" y="1972101"/>
-            <a:ext cx="2006222" cy="675564"/>
+            <a:off x="1367968" y="6611779"/>
+            <a:ext cx="1628972" cy="246221"/>
           </a:xfrm>
-          <a:prstGeom prst="roundRect">
+          <a:prstGeom prst="rect">
             <a:avLst/>
           </a:prstGeom>
+          <a:noFill/>
         </p:spPr>
-        <p:style>
-          <a:lnRef idx="2">
-            <a:schemeClr val="accent1">
-              <a:shade val="50000"/>
-            </a:schemeClr>
-          </a:lnRef>
-          <a:fillRef idx="1">
-            <a:schemeClr val="accent1"/>
-          </a:fillRef>
-          <a:effectRef idx="0">
-            <a:schemeClr val="accent1"/>
-          </a:effectRef>
-          <a:fontRef idx="minor">
-            <a:schemeClr val="lt1"/>
-          </a:fontRef>
-        </p:style>
         <p:txBody>
-          <a:bodyPr rtlCol="0" anchor="ctr"/>
+          <a:bodyPr wrap="none" rtlCol="0">
+            <a:spAutoFit/>
+          </a:bodyPr>
           <a:lstStyle/>
           <a:p>
             <a:r>
-              <a:rPr lang="da-DK" dirty="0" smtClean="0"/>
-              <a:t>Feature exstraction </a:t>
-            </a:r>
-            <a:endParaRPr lang="da-DK" dirty="0"/>
+              <a:rPr lang="en-US" sz="1000" dirty="0" smtClean="0"/>
+              <a:t>Source: </a:t>
+            </a:r>
+            <a:r>
+              <a:rPr lang="en-US" sz="1000" dirty="0"/>
+              <a:t>From Master’s Thesis</a:t>
+            </a:r>
           </a:p>
         </p:txBody>
       </p:sp>
-      <p:sp>
-        <p:nvSpPr>
-          <p:cNvPr id="9" name="Rounded Rectangle 8"/>
-          <p:cNvSpPr/>
-          <p:nvPr/>
-        </p:nvSpPr>
-        <p:spPr>
-          <a:xfrm>
-            <a:off x="5749239" y="1560963"/>
-            <a:ext cx="2006222" cy="675564"/>
-          </a:xfrm>
-          <a:prstGeom prst="roundRect">
-            <a:avLst/>
-          </a:prstGeom>
-        </p:spPr>
-        <p:style>
-          <a:lnRef idx="2">
-            <a:schemeClr val="accent1">
-              <a:shade val="50000"/>
-            </a:schemeClr>
-          </a:lnRef>
-          <a:fillRef idx="1">
-            <a:schemeClr val="accent1"/>
-          </a:fillRef>
-          <a:effectRef idx="0">
-            <a:schemeClr val="accent1"/>
-          </a:effectRef>
-          <a:fontRef idx="minor">
-            <a:schemeClr val="lt1"/>
-          </a:fontRef>
-        </p:style>
-        <p:txBody>
-          <a:bodyPr rtlCol="0" anchor="ctr"/>
-          <a:lstStyle/>
-          <a:p>
-            <a:r>
-              <a:rPr lang="da-DK" dirty="0" smtClean="0"/>
-              <a:t>Model Creation</a:t>
-            </a:r>
-            <a:endParaRPr lang="da-DK" dirty="0"/>
-          </a:p>
-        </p:txBody>
-      </p:sp>
-      <p:sp>
-        <p:nvSpPr>
-          <p:cNvPr id="10" name="Rounded Rectangle 9"/>
-          <p:cNvSpPr/>
-          <p:nvPr/>
-        </p:nvSpPr>
-        <p:spPr>
-          <a:xfrm>
-            <a:off x="5749239" y="2456590"/>
-            <a:ext cx="2006222" cy="675564"/>
-          </a:xfrm>
-          <a:prstGeom prst="roundRect">
-            <a:avLst/>
-          </a:prstGeom>
-        </p:spPr>
-        <p:style>
-          <a:lnRef idx="2">
-            <a:schemeClr val="accent1">
-              <a:shade val="50000"/>
-            </a:schemeClr>
-          </a:lnRef>
-          <a:fillRef idx="1">
-            <a:schemeClr val="accent1"/>
-          </a:fillRef>
-          <a:effectRef idx="0">
-            <a:schemeClr val="accent1"/>
-          </a:effectRef>
-          <a:fontRef idx="minor">
-            <a:schemeClr val="lt1"/>
-          </a:fontRef>
-        </p:style>
-        <p:txBody>
-          <a:bodyPr rtlCol="0" anchor="ctr"/>
-          <a:lstStyle/>
-          <a:p>
-            <a:r>
-              <a:rPr lang="da-DK" dirty="0" smtClean="0"/>
-              <a:t>Model Validation</a:t>
-            </a:r>
-            <a:endParaRPr lang="da-DK" dirty="0"/>
-          </a:p>
-        </p:txBody>
-      </p:sp>
-      <p:sp>
-        <p:nvSpPr>
-          <p:cNvPr id="11" name="Rounded Rectangle 10"/>
-          <p:cNvSpPr/>
-          <p:nvPr/>
-        </p:nvSpPr>
-        <p:spPr>
-          <a:xfrm>
-            <a:off x="1141413" y="2040341"/>
-            <a:ext cx="798394" cy="586853"/>
-          </a:xfrm>
-          <a:prstGeom prst="roundRect">
-            <a:avLst/>
-          </a:prstGeom>
-        </p:spPr>
-        <p:style>
-          <a:lnRef idx="2">
-            <a:schemeClr val="accent5">
-              <a:shade val="50000"/>
-            </a:schemeClr>
-          </a:lnRef>
-          <a:fillRef idx="1">
-            <a:schemeClr val="accent5"/>
-          </a:fillRef>
-          <a:effectRef idx="0">
-            <a:schemeClr val="accent5"/>
-          </a:effectRef>
-          <a:fontRef idx="minor">
-            <a:schemeClr val="lt1"/>
-          </a:fontRef>
-        </p:style>
-        <p:txBody>
-          <a:bodyPr rtlCol="0" anchor="ctr"/>
-          <a:lstStyle/>
-          <a:p>
-            <a:pPr algn="ctr"/>
-            <a:r>
-              <a:rPr lang="da-DK" dirty="0" smtClean="0"/>
-              <a:t>Filter</a:t>
-            </a:r>
-            <a:endParaRPr lang="da-DK" dirty="0"/>
-          </a:p>
-        </p:txBody>
-      </p:sp>
-      <p:sp>
-        <p:nvSpPr>
-          <p:cNvPr id="12" name="Rounded Rectangle 11"/>
-          <p:cNvSpPr/>
-          <p:nvPr/>
-        </p:nvSpPr>
-        <p:spPr>
-          <a:xfrm>
-            <a:off x="4464645" y="2016454"/>
-            <a:ext cx="798394" cy="586853"/>
-          </a:xfrm>
-          <a:prstGeom prst="roundRect">
-            <a:avLst/>
-          </a:prstGeom>
-        </p:spPr>
-        <p:style>
-          <a:lnRef idx="2">
-            <a:schemeClr val="accent5">
-              <a:shade val="50000"/>
-            </a:schemeClr>
-          </a:lnRef>
-          <a:fillRef idx="1">
-            <a:schemeClr val="accent5"/>
-          </a:fillRef>
-          <a:effectRef idx="0">
-            <a:schemeClr val="accent5"/>
-          </a:effectRef>
-          <a:fontRef idx="minor">
-            <a:schemeClr val="lt1"/>
-          </a:fontRef>
-        </p:style>
-        <p:txBody>
-          <a:bodyPr rtlCol="0" anchor="ctr"/>
-          <a:lstStyle/>
-          <a:p>
-            <a:pPr algn="ctr"/>
-            <a:r>
-              <a:rPr lang="da-DK" dirty="0" smtClean="0"/>
-              <a:t>Filter</a:t>
-            </a:r>
-            <a:endParaRPr lang="da-DK" dirty="0"/>
-          </a:p>
-        </p:txBody>
-      </p:sp>
-      <p:sp>
-        <p:nvSpPr>
-          <p:cNvPr id="13" name="Rounded Rectangle 12"/>
-          <p:cNvSpPr/>
-          <p:nvPr/>
-        </p:nvSpPr>
-        <p:spPr>
-          <a:xfrm>
-            <a:off x="8241661" y="2060812"/>
-            <a:ext cx="798394" cy="586853"/>
-          </a:xfrm>
-          <a:prstGeom prst="roundRect">
-            <a:avLst/>
-          </a:prstGeom>
-        </p:spPr>
-        <p:style>
-          <a:lnRef idx="2">
-            <a:schemeClr val="accent5">
-              <a:shade val="50000"/>
-            </a:schemeClr>
-          </a:lnRef>
-          <a:fillRef idx="1">
-            <a:schemeClr val="accent5"/>
-          </a:fillRef>
-          <a:effectRef idx="0">
-            <a:schemeClr val="accent5"/>
-          </a:effectRef>
-          <a:fontRef idx="minor">
-            <a:schemeClr val="lt1"/>
-          </a:fontRef>
-        </p:style>
-        <p:txBody>
-          <a:bodyPr rtlCol="0" anchor="ctr"/>
-          <a:lstStyle/>
-          <a:p>
-            <a:pPr algn="ctr"/>
-            <a:r>
-              <a:rPr lang="da-DK" dirty="0" smtClean="0"/>
-              <a:t>Filter</a:t>
-            </a:r>
-            <a:endParaRPr lang="da-DK" dirty="0"/>
-          </a:p>
-        </p:txBody>
-      </p:sp>
-      <p:cxnSp>
-        <p:nvCxnSpPr>
-          <p:cNvPr id="20" name="Straight Arrow Connector 19"/>
-          <p:cNvCxnSpPr/>
-          <p:nvPr/>
-        </p:nvCxnSpPr>
-        <p:spPr>
-          <a:xfrm>
-            <a:off x="527263" y="2309882"/>
-            <a:ext cx="614150" cy="0"/>
-          </a:xfrm>
-          <a:prstGeom prst="straightConnector1">
-            <a:avLst/>
-          </a:prstGeom>
-          <a:ln w="38100">
-            <a:tailEnd type="triangle"/>
-          </a:ln>
-        </p:spPr>
-        <p:style>
-          <a:lnRef idx="1">
-            <a:schemeClr val="dk1"/>
-          </a:lnRef>
-          <a:fillRef idx="0">
-            <a:schemeClr val="dk1"/>
-          </a:fillRef>
-          <a:effectRef idx="0">
-            <a:schemeClr val="dk1"/>
-          </a:effectRef>
-          <a:fontRef idx="minor">
-            <a:schemeClr val="tx1"/>
-          </a:fontRef>
-        </p:style>
-      </p:cxnSp>
-      <p:cxnSp>
-        <p:nvCxnSpPr>
-          <p:cNvPr id="21" name="Straight Arrow Connector 20"/>
-          <p:cNvCxnSpPr>
-            <a:endCxn id="7" idx="1"/>
-          </p:cNvCxnSpPr>
-          <p:nvPr/>
-        </p:nvCxnSpPr>
-        <p:spPr>
-          <a:xfrm>
-            <a:off x="1939807" y="2309882"/>
-            <a:ext cx="259308" cy="1"/>
-          </a:xfrm>
-          <a:prstGeom prst="straightConnector1">
-            <a:avLst/>
-          </a:prstGeom>
-          <a:ln w="38100">
-            <a:tailEnd type="triangle"/>
-          </a:ln>
-        </p:spPr>
-        <p:style>
-          <a:lnRef idx="1">
-            <a:schemeClr val="dk1"/>
-          </a:lnRef>
-          <a:fillRef idx="0">
-            <a:schemeClr val="dk1"/>
-          </a:fillRef>
-          <a:effectRef idx="0">
-            <a:schemeClr val="dk1"/>
-          </a:effectRef>
-          <a:fontRef idx="minor">
-            <a:schemeClr val="tx1"/>
-          </a:fontRef>
-        </p:style>
-      </p:cxnSp>
-      <p:cxnSp>
-        <p:nvCxnSpPr>
-          <p:cNvPr id="23" name="Straight Arrow Connector 22"/>
-          <p:cNvCxnSpPr/>
-          <p:nvPr/>
-        </p:nvCxnSpPr>
-        <p:spPr>
-          <a:xfrm>
-            <a:off x="4205337" y="2309881"/>
-            <a:ext cx="259308" cy="1"/>
-          </a:xfrm>
-          <a:prstGeom prst="straightConnector1">
-            <a:avLst/>
-          </a:prstGeom>
-          <a:ln w="38100">
-            <a:tailEnd type="triangle"/>
-          </a:ln>
-        </p:spPr>
-        <p:style>
-          <a:lnRef idx="1">
-            <a:schemeClr val="dk1"/>
-          </a:lnRef>
-          <a:fillRef idx="0">
-            <a:schemeClr val="dk1"/>
-          </a:fillRef>
-          <a:effectRef idx="0">
-            <a:schemeClr val="dk1"/>
-          </a:effectRef>
-          <a:fontRef idx="minor">
-            <a:schemeClr val="tx1"/>
-          </a:fontRef>
-        </p:style>
-      </p:cxnSp>
-      <p:cxnSp>
-        <p:nvCxnSpPr>
-          <p:cNvPr id="25" name="Elbow Connector 24"/>
-          <p:cNvCxnSpPr>
-            <a:stCxn id="12" idx="3"/>
-            <a:endCxn id="10" idx="1"/>
-          </p:cNvCxnSpPr>
-          <p:nvPr/>
-        </p:nvCxnSpPr>
-        <p:spPr>
-          <a:xfrm>
-            <a:off x="5263039" y="2309881"/>
-            <a:ext cx="486200" cy="484491"/>
-          </a:xfrm>
-          <a:prstGeom prst="bentConnector3">
-            <a:avLst/>
-          </a:prstGeom>
-          <a:ln w="38100">
-            <a:tailEnd type="triangle"/>
-          </a:ln>
-        </p:spPr>
-        <p:style>
-          <a:lnRef idx="1">
-            <a:schemeClr val="dk1"/>
-          </a:lnRef>
-          <a:fillRef idx="0">
-            <a:schemeClr val="dk1"/>
-          </a:fillRef>
-          <a:effectRef idx="0">
-            <a:schemeClr val="dk1"/>
-          </a:effectRef>
-          <a:fontRef idx="minor">
-            <a:schemeClr val="tx1"/>
-          </a:fontRef>
-        </p:style>
-      </p:cxnSp>
-      <p:cxnSp>
-        <p:nvCxnSpPr>
-          <p:cNvPr id="27" name="Elbow Connector 26"/>
-          <p:cNvCxnSpPr>
-            <a:stCxn id="12" idx="3"/>
-            <a:endCxn id="9" idx="1"/>
-          </p:cNvCxnSpPr>
-          <p:nvPr/>
-        </p:nvCxnSpPr>
-        <p:spPr>
-          <a:xfrm flipV="1">
-            <a:off x="5263039" y="1898745"/>
-            <a:ext cx="486200" cy="411136"/>
-          </a:xfrm>
-          <a:prstGeom prst="bentConnector3">
-            <a:avLst/>
-          </a:prstGeom>
-          <a:ln w="38100">
-            <a:tailEnd type="triangle"/>
-          </a:ln>
-        </p:spPr>
-        <p:style>
-          <a:lnRef idx="1">
-            <a:schemeClr val="dk1"/>
-          </a:lnRef>
-          <a:fillRef idx="0">
-            <a:schemeClr val="dk1"/>
-          </a:fillRef>
-          <a:effectRef idx="0">
-            <a:schemeClr val="dk1"/>
-          </a:effectRef>
-          <a:fontRef idx="minor">
-            <a:schemeClr val="tx1"/>
-          </a:fontRef>
-        </p:style>
-      </p:cxnSp>
-      <p:cxnSp>
-        <p:nvCxnSpPr>
-          <p:cNvPr id="31" name="Elbow Connector 30"/>
-          <p:cNvCxnSpPr>
-            <a:stCxn id="9" idx="3"/>
-            <a:endCxn id="13" idx="1"/>
-          </p:cNvCxnSpPr>
-          <p:nvPr/>
-        </p:nvCxnSpPr>
-        <p:spPr>
-          <a:xfrm>
-            <a:off x="7755461" y="1898745"/>
-            <a:ext cx="486200" cy="455494"/>
-          </a:xfrm>
-          <a:prstGeom prst="bentConnector3">
-            <a:avLst/>
-          </a:prstGeom>
-          <a:ln w="38100">
-            <a:tailEnd type="triangle"/>
-          </a:ln>
-        </p:spPr>
-        <p:style>
-          <a:lnRef idx="1">
-            <a:schemeClr val="dk1"/>
-          </a:lnRef>
-          <a:fillRef idx="0">
-            <a:schemeClr val="dk1"/>
-          </a:fillRef>
-          <a:effectRef idx="0">
-            <a:schemeClr val="dk1"/>
-          </a:effectRef>
-          <a:fontRef idx="minor">
-            <a:schemeClr val="tx1"/>
-          </a:fontRef>
-        </p:style>
-      </p:cxnSp>
-      <p:cxnSp>
-        <p:nvCxnSpPr>
-          <p:cNvPr id="33" name="Elbow Connector 32"/>
-          <p:cNvCxnSpPr>
-            <a:stCxn id="10" idx="3"/>
-            <a:endCxn id="13" idx="1"/>
-          </p:cNvCxnSpPr>
-          <p:nvPr/>
-        </p:nvCxnSpPr>
-        <p:spPr>
-          <a:xfrm flipV="1">
-            <a:off x="7755461" y="2354239"/>
-            <a:ext cx="486200" cy="440133"/>
-          </a:xfrm>
-          <a:prstGeom prst="bentConnector3">
-            <a:avLst/>
-          </a:prstGeom>
-          <a:ln w="38100">
-            <a:tailEnd type="triangle"/>
-          </a:ln>
-        </p:spPr>
-        <p:style>
-          <a:lnRef idx="1">
-            <a:schemeClr val="dk1"/>
-          </a:lnRef>
-          <a:fillRef idx="0">
-            <a:schemeClr val="dk1"/>
-          </a:fillRef>
-          <a:effectRef idx="0">
-            <a:schemeClr val="dk1"/>
-          </a:effectRef>
-          <a:fontRef idx="minor">
-            <a:schemeClr val="tx1"/>
-          </a:fontRef>
-        </p:style>
-      </p:cxnSp>
-      <p:sp>
-        <p:nvSpPr>
-          <p:cNvPr id="34" name="Rounded Rectangle 33"/>
-          <p:cNvSpPr/>
-          <p:nvPr/>
-        </p:nvSpPr>
-        <p:spPr>
-          <a:xfrm>
-            <a:off x="9526255" y="2060812"/>
-            <a:ext cx="2006222" cy="586853"/>
-          </a:xfrm>
-          <a:prstGeom prst="roundRect">
-            <a:avLst/>
-          </a:prstGeom>
-        </p:spPr>
-        <p:style>
-          <a:lnRef idx="2">
-            <a:schemeClr val="accent1">
-              <a:shade val="50000"/>
-            </a:schemeClr>
-          </a:lnRef>
-          <a:fillRef idx="1">
-            <a:schemeClr val="accent1"/>
-          </a:fillRef>
-          <a:effectRef idx="0">
-            <a:schemeClr val="accent1"/>
-          </a:effectRef>
-          <a:fontRef idx="minor">
-            <a:schemeClr val="lt1"/>
-          </a:fontRef>
-        </p:style>
-        <p:txBody>
-          <a:bodyPr rtlCol="0" anchor="ctr"/>
-          <a:lstStyle/>
-          <a:p>
-            <a:pPr algn="ctr"/>
-            <a:r>
-              <a:rPr lang="da-DK" dirty="0" smtClean="0"/>
-              <a:t>Application</a:t>
-            </a:r>
-            <a:endParaRPr lang="da-DK" dirty="0"/>
-          </a:p>
-        </p:txBody>
-      </p:sp>
-      <p:cxnSp>
-        <p:nvCxnSpPr>
-          <p:cNvPr id="38" name="Straight Arrow Connector 37"/>
-          <p:cNvCxnSpPr>
-            <a:stCxn id="13" idx="3"/>
-            <a:endCxn id="34" idx="1"/>
-          </p:cNvCxnSpPr>
-          <p:nvPr/>
-        </p:nvCxnSpPr>
-        <p:spPr>
-          <a:xfrm>
-            <a:off x="9040055" y="2354239"/>
-            <a:ext cx="486200" cy="0"/>
-          </a:xfrm>
-          <a:prstGeom prst="straightConnector1">
-            <a:avLst/>
-          </a:prstGeom>
-          <a:ln w="38100">
-            <a:tailEnd type="triangle"/>
-          </a:ln>
-        </p:spPr>
-        <p:style>
-          <a:lnRef idx="1">
-            <a:schemeClr val="dk1"/>
-          </a:lnRef>
-          <a:fillRef idx="0">
-            <a:schemeClr val="dk1"/>
-          </a:fillRef>
-          <a:effectRef idx="0">
-            <a:schemeClr val="dk1"/>
-          </a:effectRef>
-          <a:fontRef idx="minor">
-            <a:schemeClr val="tx1"/>
-          </a:fontRef>
-        </p:style>
-      </p:cxnSp>
     </p:spTree>
     <p:extLst>
       <p:ext uri="{BB962C8B-B14F-4D97-AF65-F5344CB8AC3E}">
-        <p14:creationId xmlns:p14="http://schemas.microsoft.com/office/powerpoint/2010/main" val="2463372170"/>
+        <p14:creationId xmlns:p14="http://schemas.microsoft.com/office/powerpoint/2010/main" val="950098655"/>
       </p:ext>
     </p:extLst>
   </p:cSld>
@@ -17452,242 +18839,7 @@
   <p:timing>
     <p:tnLst>
       <p:par>
-        <p:cTn id="1" dur="indefinite" restart="never" nodeType="tmRoot">
-          <p:childTnLst>
-            <p:seq concurrent="1" nextAc="seek">
-              <p:cTn id="2" dur="indefinite" nodeType="mainSeq">
-                <p:childTnLst>
-                  <p:par>
-                    <p:cTn id="3" fill="hold">
-                      <p:stCondLst>
-                        <p:cond delay="indefinite"/>
-                      </p:stCondLst>
-                      <p:childTnLst>
-                        <p:par>
-                          <p:cTn id="4" fill="hold">
-                            <p:stCondLst>
-                              <p:cond delay="0"/>
-                            </p:stCondLst>
-                            <p:childTnLst>
-                              <p:par>
-                                <p:cTn id="5" presetID="22" presetClass="entr" presetSubtype="1" fill="hold" nodeType="clickEffect">
-                                  <p:stCondLst>
-                                    <p:cond delay="0"/>
-                                  </p:stCondLst>
-                                  <p:childTnLst>
-                                    <p:set>
-                                      <p:cBhvr>
-                                        <p:cTn id="6" dur="1" fill="hold">
-                                          <p:stCondLst>
-                                            <p:cond delay="0"/>
-                                          </p:stCondLst>
-                                        </p:cTn>
-                                        <p:tgtEl>
-                                          <p:spTgt spid="45"/>
-                                        </p:tgtEl>
-                                        <p:attrNameLst>
-                                          <p:attrName>style.visibility</p:attrName>
-                                        </p:attrNameLst>
-                                      </p:cBhvr>
-                                      <p:to>
-                                        <p:strVal val="visible"/>
-                                      </p:to>
-                                    </p:set>
-                                    <p:animEffect transition="in" filter="wipe(up)">
-                                      <p:cBhvr>
-                                        <p:cTn id="7" dur="500"/>
-                                        <p:tgtEl>
-                                          <p:spTgt spid="45"/>
-                                        </p:tgtEl>
-                                      </p:cBhvr>
-                                    </p:animEffect>
-                                  </p:childTnLst>
-                                </p:cTn>
-                              </p:par>
-                            </p:childTnLst>
-                          </p:cTn>
-                        </p:par>
-                      </p:childTnLst>
-                    </p:cTn>
-                  </p:par>
-                  <p:par>
-                    <p:cTn id="8" fill="hold">
-                      <p:stCondLst>
-                        <p:cond delay="indefinite"/>
-                      </p:stCondLst>
-                      <p:childTnLst>
-                        <p:par>
-                          <p:cTn id="9" fill="hold">
-                            <p:stCondLst>
-                              <p:cond delay="0"/>
-                            </p:stCondLst>
-                            <p:childTnLst>
-                              <p:par>
-                                <p:cTn id="10" presetID="22" presetClass="exit" presetSubtype="4" fill="hold" nodeType="clickEffect">
-                                  <p:stCondLst>
-                                    <p:cond delay="0"/>
-                                  </p:stCondLst>
-                                  <p:childTnLst>
-                                    <p:animEffect transition="out" filter="wipe(down)">
-                                      <p:cBhvr>
-                                        <p:cTn id="11" dur="500"/>
-                                        <p:tgtEl>
-                                          <p:spTgt spid="45"/>
-                                        </p:tgtEl>
-                                      </p:cBhvr>
-                                    </p:animEffect>
-                                    <p:set>
-                                      <p:cBhvr>
-                                        <p:cTn id="12" dur="1" fill="hold">
-                                          <p:stCondLst>
-                                            <p:cond delay="499"/>
-                                          </p:stCondLst>
-                                        </p:cTn>
-                                        <p:tgtEl>
-                                          <p:spTgt spid="45"/>
-                                        </p:tgtEl>
-                                        <p:attrNameLst>
-                                          <p:attrName>style.visibility</p:attrName>
-                                        </p:attrNameLst>
-                                      </p:cBhvr>
-                                      <p:to>
-                                        <p:strVal val="hidden"/>
-                                      </p:to>
-                                    </p:set>
-                                  </p:childTnLst>
-                                </p:cTn>
-                              </p:par>
-                            </p:childTnLst>
-                          </p:cTn>
-                        </p:par>
-                      </p:childTnLst>
-                    </p:cTn>
-                  </p:par>
-                  <p:par>
-                    <p:cTn id="13" fill="hold">
-                      <p:stCondLst>
-                        <p:cond delay="indefinite"/>
-                      </p:stCondLst>
-                      <p:childTnLst>
-                        <p:par>
-                          <p:cTn id="14" fill="hold">
-                            <p:stCondLst>
-                              <p:cond delay="0"/>
-                            </p:stCondLst>
-                            <p:childTnLst>
-                              <p:par>
-                                <p:cTn id="15" presetID="22" presetClass="entr" presetSubtype="1" fill="hold" nodeType="clickEffect">
-                                  <p:stCondLst>
-                                    <p:cond delay="0"/>
-                                  </p:stCondLst>
-                                  <p:childTnLst>
-                                    <p:set>
-                                      <p:cBhvr>
-                                        <p:cTn id="16" dur="1" fill="hold">
-                                          <p:stCondLst>
-                                            <p:cond delay="0"/>
-                                          </p:stCondLst>
-                                        </p:cTn>
-                                        <p:tgtEl>
-                                          <p:spTgt spid="51"/>
-                                        </p:tgtEl>
-                                        <p:attrNameLst>
-                                          <p:attrName>style.visibility</p:attrName>
-                                        </p:attrNameLst>
-                                      </p:cBhvr>
-                                      <p:to>
-                                        <p:strVal val="visible"/>
-                                      </p:to>
-                                    </p:set>
-                                    <p:animEffect transition="in" filter="wipe(up)">
-                                      <p:cBhvr>
-                                        <p:cTn id="17" dur="500"/>
-                                        <p:tgtEl>
-                                          <p:spTgt spid="51"/>
-                                        </p:tgtEl>
-                                      </p:cBhvr>
-                                    </p:animEffect>
-                                  </p:childTnLst>
-                                </p:cTn>
-                              </p:par>
-                            </p:childTnLst>
-                          </p:cTn>
-                        </p:par>
-                      </p:childTnLst>
-                    </p:cTn>
-                  </p:par>
-                  <p:par>
-                    <p:cTn id="18" fill="hold">
-                      <p:stCondLst>
-                        <p:cond delay="indefinite"/>
-                      </p:stCondLst>
-                      <p:childTnLst>
-                        <p:par>
-                          <p:cTn id="19" fill="hold">
-                            <p:stCondLst>
-                              <p:cond delay="0"/>
-                            </p:stCondLst>
-                            <p:childTnLst>
-                              <p:par>
-                                <p:cTn id="20" presetID="22" presetClass="exit" presetSubtype="4" fill="hold" nodeType="clickEffect">
-                                  <p:stCondLst>
-                                    <p:cond delay="0"/>
-                                  </p:stCondLst>
-                                  <p:childTnLst>
-                                    <p:animEffect transition="out" filter="wipe(down)">
-                                      <p:cBhvr>
-                                        <p:cTn id="21" dur="500"/>
-                                        <p:tgtEl>
-                                          <p:spTgt spid="51"/>
-                                        </p:tgtEl>
-                                      </p:cBhvr>
-                                    </p:animEffect>
-                                    <p:set>
-                                      <p:cBhvr>
-                                        <p:cTn id="22" dur="1" fill="hold">
-                                          <p:stCondLst>
-                                            <p:cond delay="499"/>
-                                          </p:stCondLst>
-                                        </p:cTn>
-                                        <p:tgtEl>
-                                          <p:spTgt spid="51"/>
-                                        </p:tgtEl>
-                                        <p:attrNameLst>
-                                          <p:attrName>style.visibility</p:attrName>
-                                        </p:attrNameLst>
-                                      </p:cBhvr>
-                                      <p:to>
-                                        <p:strVal val="hidden"/>
-                                      </p:to>
-                                    </p:set>
-                                  </p:childTnLst>
-                                </p:cTn>
-                              </p:par>
-                            </p:childTnLst>
-                          </p:cTn>
-                        </p:par>
-                      </p:childTnLst>
-                    </p:cTn>
-                  </p:par>
-                </p:childTnLst>
-              </p:cTn>
-              <p:prevCondLst>
-                <p:cond evt="onPrev" delay="0">
-                  <p:tgtEl>
-                    <p:sldTgt/>
-                  </p:tgtEl>
-                </p:cond>
-              </p:prevCondLst>
-              <p:nextCondLst>
-                <p:cond evt="onNext" delay="0">
-                  <p:tgtEl>
-                    <p:sldTgt/>
-                  </p:tgtEl>
-                </p:cond>
-              </p:nextCondLst>
-            </p:seq>
-          </p:childTnLst>
-        </p:cTn>
+        <p:cTn id="1" dur="indefinite" restart="never" nodeType="tmRoot"/>
       </p:par>
     </p:tnLst>
   </p:timing>
@@ -17756,7 +18908,9 @@
           </a:xfrm>
         </p:spPr>
         <p:txBody>
-          <a:bodyPr/>
+          <a:bodyPr>
+            <a:normAutofit/>
+          </a:bodyPr>
           <a:lstStyle/>
           <a:p>
             <a:r>
@@ -17788,21 +18942,27 @@
             <a:pPr lvl="1"/>
             <a:r>
               <a:rPr lang="en-US" dirty="0"/>
+              <a:t>Availability </a:t>
+            </a:r>
+            <a:endParaRPr lang="en-US" b="1" dirty="0" smtClean="0"/>
+          </a:p>
+          <a:p>
+            <a:pPr lvl="1"/>
+            <a:r>
+              <a:rPr lang="en-US" dirty="0" smtClean="0"/>
               <a:t>Activity </a:t>
             </a:r>
+            <a:endParaRPr lang="en-US" dirty="0"/>
           </a:p>
           <a:p>
             <a:pPr lvl="1"/>
             <a:r>
+              <a:rPr lang="en-US" dirty="0" smtClean="0"/>
+              <a:t>Consumption </a:t>
+            </a:r>
+            <a:r>
               <a:rPr lang="en-US" dirty="0"/>
-              <a:t>Availability </a:t>
-            </a:r>
-          </a:p>
-          <a:p>
-            <a:pPr lvl="1"/>
-            <a:r>
-              <a:rPr lang="en-US" dirty="0"/>
-              <a:t>Consumption part</a:t>
+              <a:t>part</a:t>
             </a:r>
           </a:p>
           <a:p>
@@ -17872,8 +19032,8 @@
         </p:nvSpPr>
         <p:spPr>
           <a:xfrm>
-            <a:off x="1141413" y="618518"/>
-            <a:ext cx="9905998" cy="953107"/>
+            <a:off x="1141412" y="644397"/>
+            <a:ext cx="9905998" cy="916984"/>
           </a:xfrm>
         </p:spPr>
         <p:txBody>
@@ -17881,43 +19041,93 @@
           <a:lstStyle/>
           <a:p>
             <a:r>
-              <a:rPr lang="da-DK" dirty="0" smtClean="0"/>
-              <a:t>The SmartHG Dataset</a:t>
-            </a:r>
-            <a:endParaRPr lang="da-DK" dirty="0"/>
+              <a:rPr lang="en-US" dirty="0" smtClean="0"/>
+              <a:t>Quality In NILM </a:t>
+            </a:r>
+            <a:endParaRPr lang="en-US" dirty="0"/>
           </a:p>
         </p:txBody>
       </p:sp>
       <p:pic>
         <p:nvPicPr>
-          <p:cNvPr id="7" name="Content Placeholder 6"/>
+          <p:cNvPr id="5" name="Picture 4"/>
           <p:cNvPicPr>
-            <a:picLocks noGrp="1" noChangeAspect="1"/>
+            <a:picLocks noChangeAspect="1"/>
           </p:cNvPicPr>
-          <p:nvPr>
-            <p:ph idx="1"/>
-          </p:nvPr>
+          <p:nvPr/>
         </p:nvPicPr>
         <p:blipFill>
-          <a:blip r:embed="rId2"/>
+          <a:blip r:embed="rId2">
+            <a:extLst>
+              <a:ext uri="{28A0092B-C50C-407E-A947-70E740481C1C}">
+                <a14:useLocalDpi xmlns:a14="http://schemas.microsoft.com/office/drawing/2010/main" val="0"/>
+              </a:ext>
+            </a:extLst>
+          </a:blip>
           <a:stretch>
             <a:fillRect/>
           </a:stretch>
         </p:blipFill>
         <p:spPr>
           <a:xfrm>
-            <a:off x="950957" y="1752600"/>
-            <a:ext cx="10474558" cy="3790950"/>
+            <a:off x="1483744" y="1491244"/>
+            <a:ext cx="9655036" cy="4217405"/>
+          </a:xfrm>
+          <a:prstGeom prst="roundRect">
+            <a:avLst>
+              <a:gd name="adj" fmla="val 8594"/>
+            </a:avLst>
+          </a:prstGeom>
+          <a:solidFill>
+            <a:srgbClr val="FFFFFF">
+              <a:shade val="85000"/>
+            </a:srgbClr>
+          </a:solidFill>
+          <a:ln>
+            <a:noFill/>
+          </a:ln>
+          <a:effectLst>
+            <a:reflection blurRad="12700" stA="38000" endPos="28000" dist="5000" dir="5400000" sy="-100000" algn="bl" rotWithShape="0"/>
+          </a:effectLst>
+        </p:spPr>
+      </p:pic>
+      <p:sp>
+        <p:nvSpPr>
+          <p:cNvPr id="4" name="TextBox 3"/>
+          <p:cNvSpPr txBox="1"/>
+          <p:nvPr/>
+        </p:nvSpPr>
+        <p:spPr>
+          <a:xfrm>
+            <a:off x="1367968" y="6611779"/>
+            <a:ext cx="1628972" cy="246221"/>
           </a:xfrm>
           <a:prstGeom prst="rect">
             <a:avLst/>
           </a:prstGeom>
+          <a:noFill/>
         </p:spPr>
-      </p:pic>
+        <p:txBody>
+          <a:bodyPr wrap="none" rtlCol="0">
+            <a:spAutoFit/>
+          </a:bodyPr>
+          <a:lstStyle/>
+          <a:p>
+            <a:r>
+              <a:rPr lang="en-US" sz="1000" dirty="0" smtClean="0"/>
+              <a:t>Source: </a:t>
+            </a:r>
+            <a:r>
+              <a:rPr lang="en-US" sz="1000" dirty="0"/>
+              <a:t>From Master’s Thesis</a:t>
+            </a:r>
+          </a:p>
+        </p:txBody>
+      </p:sp>
     </p:spTree>
     <p:extLst>
       <p:ext uri="{BB962C8B-B14F-4D97-AF65-F5344CB8AC3E}">
-        <p14:creationId xmlns:p14="http://schemas.microsoft.com/office/powerpoint/2010/main" val="950098655"/>
+        <p14:creationId xmlns:p14="http://schemas.microsoft.com/office/powerpoint/2010/main" val="668039872"/>
       </p:ext>
     </p:extLst>
   </p:cSld>
@@ -17963,7 +19173,7 @@
         </p:nvSpPr>
         <p:spPr>
           <a:xfrm>
-            <a:off x="1141412" y="644397"/>
+            <a:off x="1510810" y="238956"/>
             <a:ext cx="9905998" cy="916984"/>
           </a:xfrm>
         </p:spPr>
@@ -17981,7 +19191,7 @@
       </p:sp>
       <p:pic>
         <p:nvPicPr>
-          <p:cNvPr id="5" name="Picture 4"/>
+          <p:cNvPr id="3" name="Picture 2"/>
           <p:cNvPicPr>
             <a:picLocks noChangeAspect="1"/>
           </p:cNvPicPr>
@@ -18001,8 +19211,8 @@
         </p:blipFill>
         <p:spPr>
           <a:xfrm>
-            <a:off x="1483744" y="1491244"/>
-            <a:ext cx="9655036" cy="4217405"/>
+            <a:off x="1510810" y="1155940"/>
+            <a:ext cx="9167201" cy="5001602"/>
           </a:xfrm>
           <a:prstGeom prst="roundRect">
             <a:avLst>
@@ -18022,10 +19232,43 @@
           </a:effectLst>
         </p:spPr>
       </p:pic>
+      <p:sp>
+        <p:nvSpPr>
+          <p:cNvPr id="4" name="TextBox 3"/>
+          <p:cNvSpPr txBox="1"/>
+          <p:nvPr/>
+        </p:nvSpPr>
+        <p:spPr>
+          <a:xfrm>
+            <a:off x="1367968" y="6611779"/>
+            <a:ext cx="1628972" cy="246221"/>
+          </a:xfrm>
+          <a:prstGeom prst="rect">
+            <a:avLst/>
+          </a:prstGeom>
+          <a:noFill/>
+        </p:spPr>
+        <p:txBody>
+          <a:bodyPr wrap="none" rtlCol="0">
+            <a:spAutoFit/>
+          </a:bodyPr>
+          <a:lstStyle/>
+          <a:p>
+            <a:r>
+              <a:rPr lang="en-US" sz="1000" dirty="0" smtClean="0"/>
+              <a:t>Source: </a:t>
+            </a:r>
+            <a:r>
+              <a:rPr lang="en-US" sz="1000" dirty="0"/>
+              <a:t>From Master’s Thesis</a:t>
+            </a:r>
+          </a:p>
+        </p:txBody>
+      </p:sp>
     </p:spTree>
     <p:extLst>
       <p:ext uri="{BB962C8B-B14F-4D97-AF65-F5344CB8AC3E}">
-        <p14:creationId xmlns:p14="http://schemas.microsoft.com/office/powerpoint/2010/main" val="668039872"/>
+        <p14:creationId xmlns:p14="http://schemas.microsoft.com/office/powerpoint/2010/main" val="2641864321"/>
       </p:ext>
     </p:extLst>
   </p:cSld>
@@ -18071,8 +19314,8 @@
         </p:nvSpPr>
         <p:spPr>
           <a:xfrm>
-            <a:off x="1510810" y="238956"/>
-            <a:ext cx="9905998" cy="916984"/>
+            <a:off x="1273760" y="438045"/>
+            <a:ext cx="9905998" cy="704955"/>
           </a:xfrm>
         </p:spPr>
         <p:txBody>
@@ -18081,7 +19324,11 @@
           <a:p>
             <a:r>
               <a:rPr lang="en-US" dirty="0" smtClean="0"/>
-              <a:t>Quality In NILM </a:t>
+              <a:t>Power Usage for 3. Month in </a:t>
+            </a:r>
+            <a:r>
+              <a:rPr lang="en-US" dirty="0" err="1" smtClean="0"/>
+              <a:t>SMARThg</a:t>
             </a:r>
             <a:endParaRPr lang="en-US" dirty="0"/>
           </a:p>
@@ -18089,11 +19336,13 @@
       </p:sp>
       <p:pic>
         <p:nvPicPr>
-          <p:cNvPr id="3" name="Picture 2"/>
+          <p:cNvPr id="6" name="Content Placeholder 5"/>
           <p:cNvPicPr>
-            <a:picLocks noChangeAspect="1"/>
+            <a:picLocks noGrp="1" noChangeAspect="1"/>
           </p:cNvPicPr>
-          <p:nvPr/>
+          <p:nvPr>
+            <p:ph idx="1"/>
+          </p:nvPr>
         </p:nvPicPr>
         <p:blipFill>
           <a:blip r:embed="rId2">
@@ -18109,8 +19358,8 @@
         </p:blipFill>
         <p:spPr>
           <a:xfrm>
-            <a:off x="1510810" y="1155940"/>
-            <a:ext cx="9167201" cy="5001602"/>
+            <a:off x="1512231" y="1395662"/>
+            <a:ext cx="9429055" cy="4539916"/>
           </a:xfrm>
           <a:prstGeom prst="roundRect">
             <a:avLst>
@@ -18130,10 +19379,43 @@
           </a:effectLst>
         </p:spPr>
       </p:pic>
+      <p:sp>
+        <p:nvSpPr>
+          <p:cNvPr id="4" name="TextBox 3"/>
+          <p:cNvSpPr txBox="1"/>
+          <p:nvPr/>
+        </p:nvSpPr>
+        <p:spPr>
+          <a:xfrm>
+            <a:off x="1367968" y="6611779"/>
+            <a:ext cx="1628972" cy="246221"/>
+          </a:xfrm>
+          <a:prstGeom prst="rect">
+            <a:avLst/>
+          </a:prstGeom>
+          <a:noFill/>
+        </p:spPr>
+        <p:txBody>
+          <a:bodyPr wrap="none" rtlCol="0">
+            <a:spAutoFit/>
+          </a:bodyPr>
+          <a:lstStyle/>
+          <a:p>
+            <a:r>
+              <a:rPr lang="en-US" sz="1000" dirty="0" smtClean="0"/>
+              <a:t>Source: </a:t>
+            </a:r>
+            <a:r>
+              <a:rPr lang="en-US" sz="1000" dirty="0"/>
+              <a:t>From Master’s Thesis</a:t>
+            </a:r>
+          </a:p>
+        </p:txBody>
+      </p:sp>
     </p:spTree>
     <p:extLst>
       <p:ext uri="{BB962C8B-B14F-4D97-AF65-F5344CB8AC3E}">
-        <p14:creationId xmlns:p14="http://schemas.microsoft.com/office/powerpoint/2010/main" val="2641864321"/>
+        <p14:creationId xmlns:p14="http://schemas.microsoft.com/office/powerpoint/2010/main" val="1587544787"/>
       </p:ext>
     </p:extLst>
   </p:cSld>
